--- a/Resources/Project_Presentation_Segment2.pptx
+++ b/Resources/Project_Presentation_Segment2.pptx
@@ -35,6 +35,13 @@
       <p:bold r:id="rId18"/>
       <p:italic r:id="rId19"/>
       <p:boldItalic r:id="rId20"/>
+    </p:embeddedFont>
+    <p:embeddedFont>
+      <p:font typeface="Roboto" panose="02000000000000000000" pitchFamily="2" charset="0"/>
+      <p:regular r:id="rId21"/>
+      <p:bold r:id="rId22"/>
+      <p:italic r:id="rId23"/>
+      <p:boldItalic r:id="rId24"/>
     </p:embeddedFont>
   </p:embeddedFontLst>
   <p:defaultTextStyle>
@@ -835,7 +842,7 @@
   <p:cSld>
     <p:spTree>
       <p:nvGrpSpPr>
-        <p:cNvPr id="1" name="Shape 179"/>
+        <p:cNvPr id="1" name="Shape 199"/>
         <p:cNvGrpSpPr/>
         <p:nvPr/>
       </p:nvGrpSpPr>
@@ -849,7 +856,7 @@
       </p:grpSpPr>
       <p:sp>
         <p:nvSpPr>
-          <p:cNvPr id="180" name="Google Shape;180;ge2df622baa_0_174:notes"/>
+          <p:cNvPr id="200" name="Google Shape;200;ge2df622baa_0_169:notes"/>
           <p:cNvSpPr>
             <a:spLocks noGrp="1" noRot="1" noChangeAspect="1"/>
           </p:cNvSpPr>
@@ -890,7 +897,7 @@
       </p:sp>
       <p:sp>
         <p:nvSpPr>
-          <p:cNvPr id="181" name="Google Shape;181;ge2df622baa_0_174:notes"/>
+          <p:cNvPr id="201" name="Google Shape;201;ge2df622baa_0_169:notes"/>
           <p:cNvSpPr txBox="1">
             <a:spLocks noGrp="1"/>
           </p:cNvSpPr>
@@ -1057,7 +1064,7 @@
       </p:grpSpPr>
       <p:sp>
         <p:nvSpPr>
-          <p:cNvPr id="138" name="Google Shape;138;ge2df622baa_0_127:notes"/>
+          <p:cNvPr id="138" name="Google Shape;138;ge2df622baa_0_184:notes"/>
           <p:cNvSpPr>
             <a:spLocks noGrp="1" noRot="1" noChangeAspect="1"/>
           </p:cNvSpPr>
@@ -1098,7 +1105,7 @@
       </p:sp>
       <p:sp>
         <p:nvSpPr>
-          <p:cNvPr id="139" name="Google Shape;139;ge2df622baa_0_127:notes"/>
+          <p:cNvPr id="139" name="Google Shape;139;ge2df622baa_0_184:notes"/>
           <p:cNvSpPr txBox="1">
             <a:spLocks noGrp="1"/>
           </p:cNvSpPr>
@@ -1147,7 +1154,7 @@
   <p:cSld>
     <p:spTree>
       <p:nvGrpSpPr>
-        <p:cNvPr id="1" name="Shape 143"/>
+        <p:cNvPr id="1" name="Shape 163"/>
         <p:cNvGrpSpPr/>
         <p:nvPr/>
       </p:nvGrpSpPr>
@@ -1161,7 +1168,7 @@
       </p:grpSpPr>
       <p:sp>
         <p:nvSpPr>
-          <p:cNvPr id="144" name="Google Shape;144;ge2df622baa_0_133:notes"/>
+          <p:cNvPr id="164" name="Google Shape;164;ge2df622baa_0_127:notes"/>
           <p:cNvSpPr>
             <a:spLocks noGrp="1" noRot="1" noChangeAspect="1"/>
           </p:cNvSpPr>
@@ -1202,7 +1209,7 @@
       </p:sp>
       <p:sp>
         <p:nvSpPr>
-          <p:cNvPr id="145" name="Google Shape;145;ge2df622baa_0_133:notes"/>
+          <p:cNvPr id="165" name="Google Shape;165;ge2df622baa_0_127:notes"/>
           <p:cNvSpPr txBox="1">
             <a:spLocks noGrp="1"/>
           </p:cNvSpPr>
@@ -1251,7 +1258,7 @@
   <p:cSld>
     <p:spTree>
       <p:nvGrpSpPr>
-        <p:cNvPr id="1" name="Shape 149"/>
+        <p:cNvPr id="1" name="Shape 169"/>
         <p:cNvGrpSpPr/>
         <p:nvPr/>
       </p:nvGrpSpPr>
@@ -1265,7 +1272,7 @@
       </p:grpSpPr>
       <p:sp>
         <p:nvSpPr>
-          <p:cNvPr id="150" name="Google Shape;150;ge2df622baa_0_140:notes"/>
+          <p:cNvPr id="170" name="Google Shape;170;ge2df622baa_0_133:notes"/>
           <p:cNvSpPr>
             <a:spLocks noGrp="1" noRot="1" noChangeAspect="1"/>
           </p:cNvSpPr>
@@ -1306,7 +1313,7 @@
       </p:sp>
       <p:sp>
         <p:nvSpPr>
-          <p:cNvPr id="151" name="Google Shape;151;ge2df622baa_0_140:notes"/>
+          <p:cNvPr id="171" name="Google Shape;171;ge2df622baa_0_133:notes"/>
           <p:cNvSpPr txBox="1">
             <a:spLocks noGrp="1"/>
           </p:cNvSpPr>
@@ -1355,7 +1362,7 @@
   <p:cSld>
     <p:spTree>
       <p:nvGrpSpPr>
-        <p:cNvPr id="1" name="Shape 155"/>
+        <p:cNvPr id="1" name="Shape 175"/>
         <p:cNvGrpSpPr/>
         <p:nvPr/>
       </p:nvGrpSpPr>
@@ -1369,7 +1376,7 @@
       </p:grpSpPr>
       <p:sp>
         <p:nvSpPr>
-          <p:cNvPr id="156" name="Google Shape;156;ge2df622baa_0_146:notes"/>
+          <p:cNvPr id="176" name="Google Shape;176;ge2df622baa_0_140:notes"/>
           <p:cNvSpPr>
             <a:spLocks noGrp="1" noRot="1" noChangeAspect="1"/>
           </p:cNvSpPr>
@@ -1410,7 +1417,7 @@
       </p:sp>
       <p:sp>
         <p:nvSpPr>
-          <p:cNvPr id="157" name="Google Shape;157;ge2df622baa_0_146:notes"/>
+          <p:cNvPr id="177" name="Google Shape;177;ge2df622baa_0_140:notes"/>
           <p:cNvSpPr txBox="1">
             <a:spLocks noGrp="1"/>
           </p:cNvSpPr>
@@ -1459,7 +1466,7 @@
   <p:cSld>
     <p:spTree>
       <p:nvGrpSpPr>
-        <p:cNvPr id="1" name="Shape 161"/>
+        <p:cNvPr id="1" name="Shape 181"/>
         <p:cNvGrpSpPr/>
         <p:nvPr/>
       </p:nvGrpSpPr>
@@ -1473,7 +1480,7 @@
       </p:grpSpPr>
       <p:sp>
         <p:nvSpPr>
-          <p:cNvPr id="162" name="Google Shape;162;ge2df622baa_0_152:notes"/>
+          <p:cNvPr id="182" name="Google Shape;182;ge2df622baa_0_146:notes"/>
           <p:cNvSpPr>
             <a:spLocks noGrp="1" noRot="1" noChangeAspect="1"/>
           </p:cNvSpPr>
@@ -1514,7 +1521,7 @@
       </p:sp>
       <p:sp>
         <p:nvSpPr>
-          <p:cNvPr id="163" name="Google Shape;163;ge2df622baa_0_152:notes"/>
+          <p:cNvPr id="183" name="Google Shape;183;ge2df622baa_0_146:notes"/>
           <p:cNvSpPr txBox="1">
             <a:spLocks noGrp="1"/>
           </p:cNvSpPr>
@@ -1563,7 +1570,7 @@
   <p:cSld>
     <p:spTree>
       <p:nvGrpSpPr>
-        <p:cNvPr id="1" name="Shape 167"/>
+        <p:cNvPr id="1" name="Shape 187"/>
         <p:cNvGrpSpPr/>
         <p:nvPr/>
       </p:nvGrpSpPr>
@@ -1577,7 +1584,7 @@
       </p:grpSpPr>
       <p:sp>
         <p:nvSpPr>
-          <p:cNvPr id="168" name="Google Shape;168;ge2df622baa_0_164:notes"/>
+          <p:cNvPr id="188" name="Google Shape;188;ge2df622baa_0_152:notes"/>
           <p:cNvSpPr>
             <a:spLocks noGrp="1" noRot="1" noChangeAspect="1"/>
           </p:cNvSpPr>
@@ -1618,7 +1625,7 @@
       </p:sp>
       <p:sp>
         <p:nvSpPr>
-          <p:cNvPr id="169" name="Google Shape;169;ge2df622baa_0_164:notes"/>
+          <p:cNvPr id="189" name="Google Shape;189;ge2df622baa_0_152:notes"/>
           <p:cNvSpPr txBox="1">
             <a:spLocks noGrp="1"/>
           </p:cNvSpPr>
@@ -1667,7 +1674,7 @@
   <p:cSld>
     <p:spTree>
       <p:nvGrpSpPr>
-        <p:cNvPr id="1" name="Shape 173"/>
+        <p:cNvPr id="1" name="Shape 193"/>
         <p:cNvGrpSpPr/>
         <p:nvPr/>
       </p:nvGrpSpPr>
@@ -1681,7 +1688,7 @@
       </p:grpSpPr>
       <p:sp>
         <p:nvSpPr>
-          <p:cNvPr id="174" name="Google Shape;174;ge2df622baa_0_169:notes"/>
+          <p:cNvPr id="194" name="Google Shape;194;ge2df622baa_0_164:notes"/>
           <p:cNvSpPr>
             <a:spLocks noGrp="1" noRot="1" noChangeAspect="1"/>
           </p:cNvSpPr>
@@ -1722,7 +1729,7 @@
       </p:sp>
       <p:sp>
         <p:nvSpPr>
-          <p:cNvPr id="175" name="Google Shape;175;ge2df622baa_0_169:notes"/>
+          <p:cNvPr id="195" name="Google Shape;195;ge2df622baa_0_164:notes"/>
           <p:cNvSpPr txBox="1">
             <a:spLocks noGrp="1"/>
           </p:cNvSpPr>
@@ -9945,7 +9952,7 @@
   <p:cSld>
     <p:spTree>
       <p:nvGrpSpPr>
-        <p:cNvPr id="1" name="Shape 182"/>
+        <p:cNvPr id="1" name="Shape 202"/>
         <p:cNvGrpSpPr/>
         <p:nvPr/>
       </p:nvGrpSpPr>
@@ -9959,7 +9966,7 @@
       </p:grpSpPr>
       <p:sp>
         <p:nvSpPr>
-          <p:cNvPr id="183" name="Google Shape;183;p22"/>
+          <p:cNvPr id="203" name="Google Shape;203;p22"/>
           <p:cNvSpPr txBox="1">
             <a:spLocks noGrp="1"/>
           </p:cNvSpPr>
@@ -9991,13 +9998,17 @@
               </a:spcAft>
               <a:buNone/>
             </a:pPr>
+            <a:r>
+              <a:rPr lang="en"/>
+              <a:t>Analysis phase</a:t>
+            </a:r>
             <a:endParaRPr/>
           </a:p>
         </p:txBody>
       </p:sp>
       <p:sp>
         <p:nvSpPr>
-          <p:cNvPr id="184" name="Google Shape;184;p22"/>
+          <p:cNvPr id="204" name="Google Shape;204;p22"/>
           <p:cNvSpPr txBox="1">
             <a:spLocks noGrp="1"/>
           </p:cNvSpPr>
@@ -10007,7 +10018,7 @@
         </p:nvSpPr>
         <p:spPr>
           <a:xfrm>
-            <a:off x="819150" y="1990725"/>
+            <a:off x="819150" y="1642875"/>
             <a:ext cx="7505700" cy="2448000"/>
           </a:xfrm>
           <a:prstGeom prst="rect">
@@ -10023,6 +10034,38 @@
             <a:pPr marL="0" lvl="0" indent="0" algn="l" rtl="0">
               <a:spcBef>
                 <a:spcPts val="0"/>
+              </a:spcBef>
+              <a:spcAft>
+                <a:spcPts val="0"/>
+              </a:spcAft>
+              <a:buNone/>
+            </a:pPr>
+            <a:r>
+              <a:rPr lang="en"/>
+              <a:t>&lt;would need code snippets&gt;</a:t>
+            </a:r>
+            <a:endParaRPr/>
+          </a:p>
+          <a:p>
+            <a:pPr marL="0" lvl="0" indent="0" algn="l" rtl="0">
+              <a:spcBef>
+                <a:spcPts val="1200"/>
+              </a:spcBef>
+              <a:spcAft>
+                <a:spcPts val="0"/>
+              </a:spcAft>
+              <a:buNone/>
+            </a:pPr>
+            <a:r>
+              <a:rPr lang="en"/>
+              <a:t>&lt; various charts&gt;</a:t>
+            </a:r>
+            <a:endParaRPr/>
+          </a:p>
+          <a:p>
+            <a:pPr marL="0" lvl="0" indent="0" algn="l" rtl="0">
+              <a:spcBef>
+                <a:spcPts val="1200"/>
               </a:spcBef>
               <a:spcAft>
                 <a:spcPts val="1200"/>
@@ -10335,6 +10378,1338 @@
         </p:nvSpPr>
         <p:spPr>
           <a:xfrm>
+            <a:off x="412375" y="579175"/>
+            <a:ext cx="7505700" cy="954600"/>
+          </a:xfrm>
+          <a:prstGeom prst="rect">
+            <a:avLst/>
+          </a:prstGeom>
+        </p:spPr>
+        <p:txBody>
+          <a:bodyPr spcFirstLastPara="1" wrap="square" lIns="91425" tIns="91425" rIns="91425" bIns="91425" anchor="t" anchorCtr="0">
+            <a:normAutofit/>
+          </a:bodyPr>
+          <a:lstStyle/>
+          <a:p>
+            <a:pPr marL="0" lvl="0" indent="0" algn="l" rtl="0">
+              <a:spcBef>
+                <a:spcPts val="0"/>
+              </a:spcBef>
+              <a:spcAft>
+                <a:spcPts val="0"/>
+              </a:spcAft>
+              <a:buNone/>
+            </a:pPr>
+            <a:r>
+              <a:rPr lang="en"/>
+              <a:t>Team Members</a:t>
+            </a:r>
+            <a:endParaRPr/>
+          </a:p>
+        </p:txBody>
+      </p:sp>
+      <p:sp>
+        <p:nvSpPr>
+          <p:cNvPr id="142" name="Google Shape;142;p15"/>
+          <p:cNvSpPr/>
+          <p:nvPr/>
+        </p:nvSpPr>
+        <p:spPr>
+          <a:xfrm rot="-2081266">
+            <a:off x="5208820" y="1905189"/>
+            <a:ext cx="1323660" cy="1321079"/>
+          </a:xfrm>
+          <a:prstGeom prst="ellipse">
+            <a:avLst/>
+          </a:prstGeom>
+          <a:solidFill>
+            <a:srgbClr val="A1C3FA"/>
+          </a:solidFill>
+          <a:ln>
+            <a:noFill/>
+          </a:ln>
+        </p:spPr>
+        <p:txBody>
+          <a:bodyPr spcFirstLastPara="1" wrap="square" lIns="91425" tIns="45700" rIns="91425" bIns="45700" anchor="ctr" anchorCtr="0">
+            <a:noAutofit/>
+          </a:bodyPr>
+          <a:lstStyle/>
+          <a:p>
+            <a:pPr marL="0" lvl="0" indent="0" algn="l" rtl="0">
+              <a:spcBef>
+                <a:spcPts val="0"/>
+              </a:spcBef>
+              <a:spcAft>
+                <a:spcPts val="0"/>
+              </a:spcAft>
+              <a:buNone/>
+            </a:pPr>
+            <a:endParaRPr/>
+          </a:p>
+        </p:txBody>
+      </p:sp>
+      <p:grpSp>
+        <p:nvGrpSpPr>
+          <p:cNvPr id="143" name="Google Shape;143;p15"/>
+          <p:cNvGrpSpPr/>
+          <p:nvPr/>
+        </p:nvGrpSpPr>
+        <p:grpSpPr>
+          <a:xfrm>
+            <a:off x="3274037" y="1202068"/>
+            <a:ext cx="2407147" cy="2190413"/>
+            <a:chOff x="1978637" y="1202068"/>
+            <a:chExt cx="2407147" cy="2190413"/>
+          </a:xfrm>
+        </p:grpSpPr>
+        <p:sp>
+          <p:nvSpPr>
+            <p:cNvPr id="144" name="Google Shape;144;p15"/>
+            <p:cNvSpPr/>
+            <p:nvPr/>
+          </p:nvSpPr>
+          <p:spPr>
+            <a:xfrm rot="-2081187">
+              <a:off x="2278971" y="1519484"/>
+              <a:ext cx="1601327" cy="1555582"/>
+            </a:xfrm>
+            <a:custGeom>
+              <a:avLst/>
+              <a:gdLst/>
+              <a:ahLst/>
+              <a:cxnLst/>
+              <a:rect l="l" t="t" r="r" b="b"/>
+              <a:pathLst>
+                <a:path w="246" h="240" extrusionOk="0">
+                  <a:moveTo>
+                    <a:pt x="246" y="29"/>
+                  </a:moveTo>
+                  <a:cubicBezTo>
+                    <a:pt x="241" y="19"/>
+                    <a:pt x="235" y="9"/>
+                    <a:pt x="228" y="0"/>
+                  </a:cubicBezTo>
+                  <a:cubicBezTo>
+                    <a:pt x="111" y="25"/>
+                    <a:pt x="19" y="120"/>
+                    <a:pt x="0" y="240"/>
+                  </a:cubicBezTo>
+                  <a:cubicBezTo>
+                    <a:pt x="11" y="237"/>
+                    <a:pt x="22" y="234"/>
+                    <a:pt x="34" y="232"/>
+                  </a:cubicBezTo>
+                  <a:cubicBezTo>
+                    <a:pt x="56" y="128"/>
+                    <a:pt x="140" y="46"/>
+                    <a:pt x="246" y="29"/>
+                  </a:cubicBezTo>
+                  <a:close/>
+                </a:path>
+              </a:pathLst>
+            </a:custGeom>
+            <a:solidFill>
+              <a:srgbClr val="A1C3FA"/>
+            </a:solidFill>
+            <a:ln w="9525" cap="flat" cmpd="sng">
+              <a:solidFill>
+                <a:srgbClr val="FFFFFF"/>
+              </a:solidFill>
+              <a:prstDash val="solid"/>
+              <a:miter lim="8000"/>
+              <a:headEnd type="none" w="sm" len="sm"/>
+              <a:tailEnd type="none" w="sm" len="sm"/>
+            </a:ln>
+          </p:spPr>
+          <p:txBody>
+            <a:bodyPr spcFirstLastPara="1" wrap="square" lIns="91425" tIns="45700" rIns="91425" bIns="45700" anchor="t" anchorCtr="0">
+              <a:noAutofit/>
+            </a:bodyPr>
+            <a:lstStyle/>
+            <a:p>
+              <a:pPr marL="0" lvl="0" indent="0" algn="l" rtl="0">
+                <a:spcBef>
+                  <a:spcPts val="0"/>
+                </a:spcBef>
+                <a:spcAft>
+                  <a:spcPts val="0"/>
+                </a:spcAft>
+                <a:buNone/>
+              </a:pPr>
+              <a:endParaRPr/>
+            </a:p>
+          </p:txBody>
+        </p:sp>
+        <p:sp>
+          <p:nvSpPr>
+            <p:cNvPr id="145" name="Google Shape;145;p15"/>
+            <p:cNvSpPr/>
+            <p:nvPr/>
+          </p:nvSpPr>
+          <p:spPr>
+            <a:xfrm rot="-2081188">
+              <a:off x="2605674" y="1601249"/>
+              <a:ext cx="1541190" cy="1320966"/>
+            </a:xfrm>
+            <a:custGeom>
+              <a:avLst/>
+              <a:gdLst/>
+              <a:ahLst/>
+              <a:cxnLst/>
+              <a:rect l="l" t="t" r="r" b="b"/>
+              <a:pathLst>
+                <a:path w="248" h="213" extrusionOk="0">
+                  <a:moveTo>
+                    <a:pt x="142" y="213"/>
+                  </a:moveTo>
+                  <a:cubicBezTo>
+                    <a:pt x="152" y="188"/>
+                    <a:pt x="170" y="167"/>
+                    <a:pt x="194" y="153"/>
+                  </a:cubicBezTo>
+                  <a:cubicBezTo>
+                    <a:pt x="211" y="143"/>
+                    <a:pt x="230" y="137"/>
+                    <a:pt x="248" y="136"/>
+                  </a:cubicBezTo>
+                  <a:cubicBezTo>
+                    <a:pt x="247" y="87"/>
+                    <a:pt x="234" y="41"/>
+                    <a:pt x="212" y="0"/>
+                  </a:cubicBezTo>
+                  <a:cubicBezTo>
+                    <a:pt x="106" y="17"/>
+                    <a:pt x="22" y="99"/>
+                    <a:pt x="0" y="203"/>
+                  </a:cubicBezTo>
+                  <a:cubicBezTo>
+                    <a:pt x="46" y="195"/>
+                    <a:pt x="95" y="198"/>
+                    <a:pt x="142" y="213"/>
+                  </a:cubicBezTo>
+                  <a:close/>
+                </a:path>
+              </a:pathLst>
+            </a:custGeom>
+            <a:solidFill>
+              <a:srgbClr val="0C58D3"/>
+            </a:solidFill>
+            <a:ln w="12700" cap="flat" cmpd="sng">
+              <a:solidFill>
+                <a:srgbClr val="FFFFFF"/>
+              </a:solidFill>
+              <a:prstDash val="solid"/>
+              <a:miter lim="8000"/>
+              <a:headEnd type="none" w="sm" len="sm"/>
+              <a:tailEnd type="none" w="sm" len="sm"/>
+            </a:ln>
+          </p:spPr>
+          <p:txBody>
+            <a:bodyPr spcFirstLastPara="1" wrap="square" lIns="91425" tIns="45700" rIns="91425" bIns="45700" anchor="t" anchorCtr="0">
+              <a:noAutofit/>
+            </a:bodyPr>
+            <a:lstStyle/>
+            <a:p>
+              <a:pPr marL="0" lvl="0" indent="0" algn="l" rtl="0">
+                <a:spcBef>
+                  <a:spcPts val="0"/>
+                </a:spcBef>
+                <a:spcAft>
+                  <a:spcPts val="0"/>
+                </a:spcAft>
+                <a:buNone/>
+              </a:pPr>
+              <a:endParaRPr/>
+            </a:p>
+          </p:txBody>
+        </p:sp>
+        <p:sp>
+          <p:nvSpPr>
+            <p:cNvPr id="146" name="Google Shape;146;p15"/>
+            <p:cNvSpPr txBox="1"/>
+            <p:nvPr/>
+          </p:nvSpPr>
+          <p:spPr>
+            <a:xfrm rot="-4432199">
+              <a:off x="2798390" y="1964894"/>
+              <a:ext cx="1304451" cy="562537"/>
+            </a:xfrm>
+            <a:prstGeom prst="rect">
+              <a:avLst/>
+            </a:prstGeom>
+            <a:noFill/>
+            <a:ln>
+              <a:noFill/>
+            </a:ln>
+          </p:spPr>
+          <p:txBody>
+            <a:bodyPr spcFirstLastPara="1" wrap="square" lIns="91425" tIns="91425" rIns="91425" bIns="91425" anchor="ctr" anchorCtr="0">
+              <a:noAutofit/>
+            </a:bodyPr>
+            <a:lstStyle/>
+            <a:p>
+              <a:pPr marL="0" lvl="0" indent="0" algn="ctr" rtl="0">
+                <a:spcBef>
+                  <a:spcPts val="0"/>
+                </a:spcBef>
+                <a:spcAft>
+                  <a:spcPts val="0"/>
+                </a:spcAft>
+                <a:buNone/>
+              </a:pPr>
+              <a:r>
+                <a:rPr lang="en" sz="1000">
+                  <a:solidFill>
+                    <a:srgbClr val="FFFFFF"/>
+                  </a:solidFill>
+                  <a:latin typeface="Roboto"/>
+                  <a:ea typeface="Roboto"/>
+                  <a:cs typeface="Roboto"/>
+                  <a:sym typeface="Roboto"/>
+                </a:rPr>
+                <a:t>Vikas (PM / Deck / Git Hub Lead))</a:t>
+              </a:r>
+              <a:endParaRPr sz="1000">
+                <a:solidFill>
+                  <a:srgbClr val="FFFFFF"/>
+                </a:solidFill>
+                <a:latin typeface="Roboto"/>
+                <a:ea typeface="Roboto"/>
+                <a:cs typeface="Roboto"/>
+                <a:sym typeface="Roboto"/>
+              </a:endParaRPr>
+            </a:p>
+          </p:txBody>
+        </p:sp>
+      </p:grpSp>
+      <p:grpSp>
+        <p:nvGrpSpPr>
+          <p:cNvPr id="147" name="Google Shape;147;p15"/>
+          <p:cNvGrpSpPr/>
+          <p:nvPr/>
+        </p:nvGrpSpPr>
+        <p:grpSpPr>
+          <a:xfrm>
+            <a:off x="4162512" y="2599927"/>
+            <a:ext cx="2108006" cy="2437164"/>
+            <a:chOff x="2867112" y="2599927"/>
+            <a:chExt cx="2108006" cy="2437164"/>
+          </a:xfrm>
+        </p:grpSpPr>
+        <p:sp>
+          <p:nvSpPr>
+            <p:cNvPr id="148" name="Google Shape;148;p15"/>
+            <p:cNvSpPr/>
+            <p:nvPr/>
+          </p:nvSpPr>
+          <p:spPr>
+            <a:xfrm rot="-2081188">
+              <a:off x="3325156" y="2966530"/>
+              <a:ext cx="1061085" cy="1941128"/>
+            </a:xfrm>
+            <a:custGeom>
+              <a:avLst/>
+              <a:gdLst/>
+              <a:ahLst/>
+              <a:cxnLst/>
+              <a:rect l="l" t="t" r="r" b="b"/>
+              <a:pathLst>
+                <a:path w="163" h="300" extrusionOk="0">
+                  <a:moveTo>
+                    <a:pt x="32" y="39"/>
+                  </a:moveTo>
+                  <a:cubicBezTo>
+                    <a:pt x="32" y="26"/>
+                    <a:pt x="33" y="13"/>
+                    <a:pt x="35" y="0"/>
+                  </a:cubicBezTo>
+                  <a:cubicBezTo>
+                    <a:pt x="24" y="2"/>
+                    <a:pt x="13" y="5"/>
+                    <a:pt x="2" y="8"/>
+                  </a:cubicBezTo>
+                  <a:cubicBezTo>
+                    <a:pt x="1" y="19"/>
+                    <a:pt x="0" y="29"/>
+                    <a:pt x="0" y="39"/>
+                  </a:cubicBezTo>
+                  <a:cubicBezTo>
+                    <a:pt x="0" y="153"/>
+                    <a:pt x="65" y="252"/>
+                    <a:pt x="160" y="300"/>
+                  </a:cubicBezTo>
+                  <a:cubicBezTo>
+                    <a:pt x="160" y="289"/>
+                    <a:pt x="161" y="277"/>
+                    <a:pt x="163" y="265"/>
+                  </a:cubicBezTo>
+                  <a:cubicBezTo>
+                    <a:pt x="85" y="220"/>
+                    <a:pt x="32" y="136"/>
+                    <a:pt x="32" y="39"/>
+                  </a:cubicBezTo>
+                  <a:close/>
+                </a:path>
+              </a:pathLst>
+            </a:custGeom>
+            <a:solidFill>
+              <a:srgbClr val="A1C3FA"/>
+            </a:solidFill>
+            <a:ln w="9525" cap="flat" cmpd="sng">
+              <a:solidFill>
+                <a:srgbClr val="FFFFFF"/>
+              </a:solidFill>
+              <a:prstDash val="solid"/>
+              <a:miter lim="8000"/>
+              <a:headEnd type="none" w="sm" len="sm"/>
+              <a:tailEnd type="none" w="sm" len="sm"/>
+            </a:ln>
+          </p:spPr>
+          <p:txBody>
+            <a:bodyPr spcFirstLastPara="1" wrap="square" lIns="91425" tIns="45700" rIns="91425" bIns="45700" anchor="t" anchorCtr="0">
+              <a:noAutofit/>
+            </a:bodyPr>
+            <a:lstStyle/>
+            <a:p>
+              <a:pPr marL="0" lvl="0" indent="0" algn="l" rtl="0">
+                <a:spcBef>
+                  <a:spcPts val="0"/>
+                </a:spcBef>
+                <a:spcAft>
+                  <a:spcPts val="0"/>
+                </a:spcAft>
+                <a:buNone/>
+              </a:pPr>
+              <a:endParaRPr/>
+            </a:p>
+          </p:txBody>
+        </p:sp>
+        <p:sp>
+          <p:nvSpPr>
+            <p:cNvPr id="149" name="Google Shape;149;p15"/>
+            <p:cNvSpPr/>
+            <p:nvPr/>
+          </p:nvSpPr>
+          <p:spPr>
+            <a:xfrm rot="-2081187">
+              <a:off x="3456358" y="2773799"/>
+              <a:ext cx="1138968" cy="1690435"/>
+            </a:xfrm>
+            <a:custGeom>
+              <a:avLst/>
+              <a:gdLst/>
+              <a:ahLst/>
+              <a:cxnLst/>
+              <a:rect l="l" t="t" r="r" b="b"/>
+              <a:pathLst>
+                <a:path w="183" h="273" extrusionOk="0">
+                  <a:moveTo>
+                    <a:pt x="156" y="108"/>
+                  </a:moveTo>
+                  <a:cubicBezTo>
+                    <a:pt x="139" y="79"/>
+                    <a:pt x="136" y="46"/>
+                    <a:pt x="144" y="16"/>
+                  </a:cubicBezTo>
+                  <a:cubicBezTo>
+                    <a:pt x="97" y="2"/>
+                    <a:pt x="48" y="0"/>
+                    <a:pt x="3" y="8"/>
+                  </a:cubicBezTo>
+                  <a:cubicBezTo>
+                    <a:pt x="1" y="21"/>
+                    <a:pt x="0" y="34"/>
+                    <a:pt x="0" y="47"/>
+                  </a:cubicBezTo>
+                  <a:cubicBezTo>
+                    <a:pt x="0" y="144"/>
+                    <a:pt x="53" y="228"/>
+                    <a:pt x="131" y="273"/>
+                  </a:cubicBezTo>
+                  <a:cubicBezTo>
+                    <a:pt x="138" y="227"/>
+                    <a:pt x="155" y="182"/>
+                    <a:pt x="183" y="141"/>
+                  </a:cubicBezTo>
+                  <a:cubicBezTo>
+                    <a:pt x="173" y="132"/>
+                    <a:pt x="163" y="121"/>
+                    <a:pt x="156" y="108"/>
+                  </a:cubicBezTo>
+                  <a:close/>
+                </a:path>
+              </a:pathLst>
+            </a:custGeom>
+            <a:solidFill>
+              <a:srgbClr val="0D5DDF"/>
+            </a:solidFill>
+            <a:ln w="12700" cap="flat" cmpd="sng">
+              <a:solidFill>
+                <a:srgbClr val="FFFFFF"/>
+              </a:solidFill>
+              <a:prstDash val="solid"/>
+              <a:miter lim="8000"/>
+              <a:headEnd type="none" w="sm" len="sm"/>
+              <a:tailEnd type="none" w="sm" len="sm"/>
+            </a:ln>
+          </p:spPr>
+          <p:txBody>
+            <a:bodyPr spcFirstLastPara="1" wrap="square" lIns="91425" tIns="45700" rIns="91425" bIns="45700" anchor="t" anchorCtr="0">
+              <a:noAutofit/>
+            </a:bodyPr>
+            <a:lstStyle/>
+            <a:p>
+              <a:pPr marL="0" lvl="0" indent="0" algn="l" rtl="0">
+                <a:spcBef>
+                  <a:spcPts val="0"/>
+                </a:spcBef>
+                <a:spcAft>
+                  <a:spcPts val="0"/>
+                </a:spcAft>
+                <a:buNone/>
+              </a:pPr>
+              <a:endParaRPr/>
+            </a:p>
+          </p:txBody>
+        </p:sp>
+        <p:sp>
+          <p:nvSpPr>
+            <p:cNvPr id="150" name="Google Shape;150;p15"/>
+            <p:cNvSpPr txBox="1"/>
+            <p:nvPr/>
+          </p:nvSpPr>
+          <p:spPr>
+            <a:xfrm rot="2156063">
+              <a:off x="3231785" y="3231412"/>
+              <a:ext cx="1304574" cy="562882"/>
+            </a:xfrm>
+            <a:prstGeom prst="rect">
+              <a:avLst/>
+            </a:prstGeom>
+            <a:noFill/>
+            <a:ln>
+              <a:noFill/>
+            </a:ln>
+          </p:spPr>
+          <p:txBody>
+            <a:bodyPr spcFirstLastPara="1" wrap="square" lIns="91425" tIns="91425" rIns="91425" bIns="91425" anchor="ctr" anchorCtr="0">
+              <a:noAutofit/>
+            </a:bodyPr>
+            <a:lstStyle/>
+            <a:p>
+              <a:pPr marL="0" lvl="0" indent="0" algn="ctr" rtl="0">
+                <a:spcBef>
+                  <a:spcPts val="0"/>
+                </a:spcBef>
+                <a:spcAft>
+                  <a:spcPts val="0"/>
+                </a:spcAft>
+                <a:buNone/>
+              </a:pPr>
+              <a:r>
+                <a:rPr lang="en" sz="1000">
+                  <a:solidFill>
+                    <a:srgbClr val="FFFFFF"/>
+                  </a:solidFill>
+                  <a:latin typeface="Roboto"/>
+                  <a:ea typeface="Roboto"/>
+                  <a:cs typeface="Roboto"/>
+                  <a:sym typeface="Roboto"/>
+                </a:rPr>
+                <a:t>Joan (Data analysis  / Dashboard Lead)</a:t>
+              </a:r>
+              <a:endParaRPr sz="1000">
+                <a:solidFill>
+                  <a:srgbClr val="FFFFFF"/>
+                </a:solidFill>
+                <a:latin typeface="Roboto"/>
+                <a:ea typeface="Roboto"/>
+                <a:cs typeface="Roboto"/>
+                <a:sym typeface="Roboto"/>
+              </a:endParaRPr>
+            </a:p>
+          </p:txBody>
+        </p:sp>
+      </p:grpSp>
+      <p:grpSp>
+        <p:nvGrpSpPr>
+          <p:cNvPr id="151" name="Google Shape;151;p15"/>
+          <p:cNvGrpSpPr/>
+          <p:nvPr/>
+        </p:nvGrpSpPr>
+        <p:grpSpPr>
+          <a:xfrm>
+            <a:off x="5632915" y="2464414"/>
+            <a:ext cx="2424506" cy="2097542"/>
+            <a:chOff x="4337515" y="2464414"/>
+            <a:chExt cx="2424506" cy="2097542"/>
+          </a:xfrm>
+        </p:grpSpPr>
+        <p:sp>
+          <p:nvSpPr>
+            <p:cNvPr id="152" name="Google Shape;152;p15"/>
+            <p:cNvSpPr/>
+            <p:nvPr/>
+          </p:nvSpPr>
+          <p:spPr>
+            <a:xfrm rot="-2081187">
+              <a:off x="4648818" y="3375680"/>
+              <a:ext cx="2119401" cy="640096"/>
+            </a:xfrm>
+            <a:custGeom>
+              <a:avLst/>
+              <a:gdLst/>
+              <a:ahLst/>
+              <a:cxnLst/>
+              <a:rect l="l" t="t" r="r" b="b"/>
+              <a:pathLst>
+                <a:path w="326" h="99" extrusionOk="0">
+                  <a:moveTo>
+                    <a:pt x="119" y="67"/>
+                  </a:moveTo>
+                  <a:cubicBezTo>
+                    <a:pt x="77" y="67"/>
+                    <a:pt x="37" y="57"/>
+                    <a:pt x="2" y="40"/>
+                  </a:cubicBezTo>
+                  <a:cubicBezTo>
+                    <a:pt x="1" y="51"/>
+                    <a:pt x="0" y="63"/>
+                    <a:pt x="0" y="74"/>
+                  </a:cubicBezTo>
+                  <a:cubicBezTo>
+                    <a:pt x="36" y="90"/>
+                    <a:pt x="76" y="99"/>
+                    <a:pt x="119" y="99"/>
+                  </a:cubicBezTo>
+                  <a:cubicBezTo>
+                    <a:pt x="200" y="99"/>
+                    <a:pt x="273" y="67"/>
+                    <a:pt x="326" y="14"/>
+                  </a:cubicBezTo>
+                  <a:cubicBezTo>
+                    <a:pt x="315" y="10"/>
+                    <a:pt x="304" y="5"/>
+                    <a:pt x="294" y="0"/>
+                  </a:cubicBezTo>
+                  <a:cubicBezTo>
+                    <a:pt x="247" y="42"/>
+                    <a:pt x="186" y="67"/>
+                    <a:pt x="119" y="67"/>
+                  </a:cubicBezTo>
+                  <a:close/>
+                </a:path>
+              </a:pathLst>
+            </a:custGeom>
+            <a:solidFill>
+              <a:srgbClr val="A1C3FA"/>
+            </a:solidFill>
+            <a:ln w="9525" cap="flat" cmpd="sng">
+              <a:solidFill>
+                <a:srgbClr val="FFFFFF"/>
+              </a:solidFill>
+              <a:prstDash val="solid"/>
+              <a:miter lim="8000"/>
+              <a:headEnd type="none" w="sm" len="sm"/>
+              <a:tailEnd type="none" w="sm" len="sm"/>
+            </a:ln>
+          </p:spPr>
+          <p:txBody>
+            <a:bodyPr spcFirstLastPara="1" wrap="square" lIns="91425" tIns="45700" rIns="91425" bIns="45700" anchor="t" anchorCtr="0">
+              <a:noAutofit/>
+            </a:bodyPr>
+            <a:lstStyle/>
+            <a:p>
+              <a:pPr marL="0" lvl="0" indent="0" algn="l" rtl="0">
+                <a:spcBef>
+                  <a:spcPts val="0"/>
+                </a:spcBef>
+                <a:spcAft>
+                  <a:spcPts val="0"/>
+                </a:spcAft>
+                <a:buNone/>
+              </a:pPr>
+              <a:endParaRPr/>
+            </a:p>
+          </p:txBody>
+        </p:sp>
+        <p:sp>
+          <p:nvSpPr>
+            <p:cNvPr id="153" name="Google Shape;153;p15"/>
+            <p:cNvSpPr/>
+            <p:nvPr/>
+          </p:nvSpPr>
+          <p:spPr>
+            <a:xfrm rot="-2081187">
+              <a:off x="4457034" y="2893418"/>
+              <a:ext cx="1815979" cy="987157"/>
+            </a:xfrm>
+            <a:custGeom>
+              <a:avLst/>
+              <a:gdLst/>
+              <a:ahLst/>
+              <a:cxnLst/>
+              <a:rect l="l" t="t" r="r" b="b"/>
+              <a:pathLst>
+                <a:path w="292" h="159" extrusionOk="0">
+                  <a:moveTo>
+                    <a:pt x="182" y="1"/>
+                  </a:moveTo>
+                  <a:cubicBezTo>
+                    <a:pt x="181" y="2"/>
+                    <a:pt x="179" y="3"/>
+                    <a:pt x="177" y="4"/>
+                  </a:cubicBezTo>
+                  <a:cubicBezTo>
+                    <a:pt x="137" y="27"/>
+                    <a:pt x="88" y="24"/>
+                    <a:pt x="51" y="0"/>
+                  </a:cubicBezTo>
+                  <a:cubicBezTo>
+                    <a:pt x="23" y="41"/>
+                    <a:pt x="6" y="86"/>
+                    <a:pt x="0" y="132"/>
+                  </a:cubicBezTo>
+                  <a:cubicBezTo>
+                    <a:pt x="35" y="149"/>
+                    <a:pt x="75" y="159"/>
+                    <a:pt x="117" y="159"/>
+                  </a:cubicBezTo>
+                  <a:cubicBezTo>
+                    <a:pt x="184" y="159"/>
+                    <a:pt x="245" y="134"/>
+                    <a:pt x="292" y="92"/>
+                  </a:cubicBezTo>
+                  <a:cubicBezTo>
+                    <a:pt x="250" y="71"/>
+                    <a:pt x="212" y="41"/>
+                    <a:pt x="182" y="1"/>
+                  </a:cubicBezTo>
+                  <a:close/>
+                </a:path>
+              </a:pathLst>
+            </a:custGeom>
+            <a:solidFill>
+              <a:srgbClr val="0E65F0"/>
+            </a:solidFill>
+            <a:ln w="12700" cap="flat" cmpd="sng">
+              <a:solidFill>
+                <a:srgbClr val="FFFFFF"/>
+              </a:solidFill>
+              <a:prstDash val="solid"/>
+              <a:miter lim="8000"/>
+              <a:headEnd type="none" w="sm" len="sm"/>
+              <a:tailEnd type="none" w="sm" len="sm"/>
+            </a:ln>
+          </p:spPr>
+          <p:txBody>
+            <a:bodyPr spcFirstLastPara="1" wrap="square" lIns="91425" tIns="45700" rIns="91425" bIns="45700" anchor="t" anchorCtr="0">
+              <a:noAutofit/>
+            </a:bodyPr>
+            <a:lstStyle/>
+            <a:p>
+              <a:pPr marL="0" lvl="0" indent="0" algn="l" rtl="0">
+                <a:spcBef>
+                  <a:spcPts val="0"/>
+                </a:spcBef>
+                <a:spcAft>
+                  <a:spcPts val="0"/>
+                </a:spcAft>
+                <a:buNone/>
+              </a:pPr>
+              <a:endParaRPr/>
+            </a:p>
+          </p:txBody>
+        </p:sp>
+        <p:sp>
+          <p:nvSpPr>
+            <p:cNvPr id="154" name="Google Shape;154;p15"/>
+            <p:cNvSpPr txBox="1"/>
+            <p:nvPr/>
+          </p:nvSpPr>
+          <p:spPr>
+            <a:xfrm rot="-2245873">
+              <a:off x="4639442" y="3207930"/>
+              <a:ext cx="1304523" cy="563064"/>
+            </a:xfrm>
+            <a:prstGeom prst="rect">
+              <a:avLst/>
+            </a:prstGeom>
+            <a:noFill/>
+            <a:ln>
+              <a:noFill/>
+            </a:ln>
+          </p:spPr>
+          <p:txBody>
+            <a:bodyPr spcFirstLastPara="1" wrap="square" lIns="91425" tIns="91425" rIns="91425" bIns="91425" anchor="ctr" anchorCtr="0">
+              <a:noAutofit/>
+            </a:bodyPr>
+            <a:lstStyle/>
+            <a:p>
+              <a:pPr marL="0" lvl="0" indent="0" algn="ctr" rtl="0">
+                <a:spcBef>
+                  <a:spcPts val="0"/>
+                </a:spcBef>
+                <a:spcAft>
+                  <a:spcPts val="0"/>
+                </a:spcAft>
+                <a:buNone/>
+              </a:pPr>
+              <a:r>
+                <a:rPr lang="en" sz="1000">
+                  <a:solidFill>
+                    <a:srgbClr val="FFFFFF"/>
+                  </a:solidFill>
+                  <a:latin typeface="Roboto"/>
+                  <a:ea typeface="Roboto"/>
+                  <a:cs typeface="Roboto"/>
+                  <a:sym typeface="Roboto"/>
+                </a:rPr>
+                <a:t>Zubair (Data Clean Up Lead)</a:t>
+              </a:r>
+              <a:endParaRPr sz="1000">
+                <a:solidFill>
+                  <a:srgbClr val="FFFFFF"/>
+                </a:solidFill>
+                <a:latin typeface="Roboto"/>
+                <a:ea typeface="Roboto"/>
+                <a:cs typeface="Roboto"/>
+                <a:sym typeface="Roboto"/>
+              </a:endParaRPr>
+            </a:p>
+          </p:txBody>
+        </p:sp>
+      </p:grpSp>
+      <p:grpSp>
+        <p:nvGrpSpPr>
+          <p:cNvPr id="155" name="Google Shape;155;p15"/>
+          <p:cNvGrpSpPr/>
+          <p:nvPr/>
+        </p:nvGrpSpPr>
+        <p:grpSpPr>
+          <a:xfrm>
+            <a:off x="4558496" y="71333"/>
+            <a:ext cx="2344104" cy="2370669"/>
+            <a:chOff x="3263096" y="71333"/>
+            <a:chExt cx="2344104" cy="2370669"/>
+          </a:xfrm>
+        </p:grpSpPr>
+        <p:sp>
+          <p:nvSpPr>
+            <p:cNvPr id="156" name="Google Shape;156;p15"/>
+            <p:cNvSpPr/>
+            <p:nvPr/>
+          </p:nvSpPr>
+          <p:spPr>
+            <a:xfrm rot="-2081187">
+              <a:off x="3407226" y="525393"/>
+              <a:ext cx="1943480" cy="1113468"/>
+            </a:xfrm>
+            <a:custGeom>
+              <a:avLst/>
+              <a:gdLst/>
+              <a:ahLst/>
+              <a:cxnLst/>
+              <a:rect l="l" t="t" r="r" b="b"/>
+              <a:pathLst>
+                <a:path w="299" h="172" extrusionOk="0">
+                  <a:moveTo>
+                    <a:pt x="45" y="32"/>
+                  </a:moveTo>
+                  <a:cubicBezTo>
+                    <a:pt x="146" y="32"/>
+                    <a:pt x="233" y="89"/>
+                    <a:pt x="276" y="172"/>
+                  </a:cubicBezTo>
+                  <a:cubicBezTo>
+                    <a:pt x="284" y="164"/>
+                    <a:pt x="292" y="155"/>
+                    <a:pt x="299" y="146"/>
+                  </a:cubicBezTo>
+                  <a:cubicBezTo>
+                    <a:pt x="248" y="59"/>
+                    <a:pt x="153" y="0"/>
+                    <a:pt x="45" y="0"/>
+                  </a:cubicBezTo>
+                  <a:cubicBezTo>
+                    <a:pt x="30" y="0"/>
+                    <a:pt x="14" y="1"/>
+                    <a:pt x="0" y="3"/>
+                  </a:cubicBezTo>
+                  <a:cubicBezTo>
+                    <a:pt x="6" y="13"/>
+                    <a:pt x="12" y="23"/>
+                    <a:pt x="18" y="33"/>
+                  </a:cubicBezTo>
+                  <a:cubicBezTo>
+                    <a:pt x="27" y="32"/>
+                    <a:pt x="36" y="32"/>
+                    <a:pt x="45" y="32"/>
+                  </a:cubicBezTo>
+                  <a:close/>
+                </a:path>
+              </a:pathLst>
+            </a:custGeom>
+            <a:solidFill>
+              <a:srgbClr val="A1C3FA"/>
+            </a:solidFill>
+            <a:ln w="9525" cap="flat" cmpd="sng">
+              <a:solidFill>
+                <a:srgbClr val="FFFFFF"/>
+              </a:solidFill>
+              <a:prstDash val="solid"/>
+              <a:miter lim="8000"/>
+              <a:headEnd type="none" w="sm" len="sm"/>
+              <a:tailEnd type="none" w="sm" len="sm"/>
+            </a:ln>
+          </p:spPr>
+          <p:txBody>
+            <a:bodyPr spcFirstLastPara="1" wrap="square" lIns="91425" tIns="45700" rIns="91425" bIns="45700" anchor="t" anchorCtr="0">
+              <a:noAutofit/>
+            </a:bodyPr>
+            <a:lstStyle/>
+            <a:p>
+              <a:pPr marL="0" lvl="0" indent="0" algn="l" rtl="0">
+                <a:spcBef>
+                  <a:spcPts val="0"/>
+                </a:spcBef>
+                <a:spcAft>
+                  <a:spcPts val="0"/>
+                </a:spcAft>
+                <a:buNone/>
+              </a:pPr>
+              <a:endParaRPr/>
+            </a:p>
+          </p:txBody>
+        </p:sp>
+        <p:sp>
+          <p:nvSpPr>
+            <p:cNvPr id="157" name="Google Shape;157;p15"/>
+            <p:cNvSpPr/>
+            <p:nvPr/>
+          </p:nvSpPr>
+          <p:spPr>
+            <a:xfrm rot="-2081187">
+              <a:off x="3761328" y="760580"/>
+              <a:ext cx="1606237" cy="1343790"/>
+            </a:xfrm>
+            <a:custGeom>
+              <a:avLst/>
+              <a:gdLst/>
+              <a:ahLst/>
+              <a:cxnLst/>
+              <a:rect l="l" t="t" r="r" b="b"/>
+              <a:pathLst>
+                <a:path w="258" h="217" extrusionOk="0">
+                  <a:moveTo>
+                    <a:pt x="132" y="200"/>
+                  </a:moveTo>
+                  <a:cubicBezTo>
+                    <a:pt x="135" y="205"/>
+                    <a:pt x="138" y="211"/>
+                    <a:pt x="140" y="217"/>
+                  </a:cubicBezTo>
+                  <a:cubicBezTo>
+                    <a:pt x="186" y="200"/>
+                    <a:pt x="227" y="174"/>
+                    <a:pt x="258" y="140"/>
+                  </a:cubicBezTo>
+                  <a:cubicBezTo>
+                    <a:pt x="215" y="57"/>
+                    <a:pt x="128" y="0"/>
+                    <a:pt x="27" y="0"/>
+                  </a:cubicBezTo>
+                  <a:cubicBezTo>
+                    <a:pt x="18" y="0"/>
+                    <a:pt x="9" y="0"/>
+                    <a:pt x="0" y="1"/>
+                  </a:cubicBezTo>
+                  <a:cubicBezTo>
+                    <a:pt x="21" y="43"/>
+                    <a:pt x="34" y="90"/>
+                    <a:pt x="34" y="140"/>
+                  </a:cubicBezTo>
+                  <a:cubicBezTo>
+                    <a:pt x="74" y="142"/>
+                    <a:pt x="111" y="163"/>
+                    <a:pt x="132" y="200"/>
+                  </a:cubicBezTo>
+                  <a:close/>
+                </a:path>
+              </a:pathLst>
+            </a:custGeom>
+            <a:solidFill>
+              <a:srgbClr val="0944A1"/>
+            </a:solidFill>
+            <a:ln w="12700" cap="flat" cmpd="sng">
+              <a:solidFill>
+                <a:srgbClr val="FFFFFF"/>
+              </a:solidFill>
+              <a:prstDash val="solid"/>
+              <a:miter lim="8000"/>
+              <a:headEnd type="none" w="sm" len="sm"/>
+              <a:tailEnd type="none" w="sm" len="sm"/>
+            </a:ln>
+          </p:spPr>
+          <p:txBody>
+            <a:bodyPr spcFirstLastPara="1" wrap="square" lIns="91425" tIns="45700" rIns="91425" bIns="45700" anchor="t" anchorCtr="0">
+              <a:noAutofit/>
+            </a:bodyPr>
+            <a:lstStyle/>
+            <a:p>
+              <a:pPr marL="0" lvl="0" indent="0" algn="l" rtl="0">
+                <a:spcBef>
+                  <a:spcPts val="0"/>
+                </a:spcBef>
+                <a:spcAft>
+                  <a:spcPts val="0"/>
+                </a:spcAft>
+                <a:buNone/>
+              </a:pPr>
+              <a:endParaRPr/>
+            </a:p>
+          </p:txBody>
+        </p:sp>
+        <p:sp>
+          <p:nvSpPr>
+            <p:cNvPr id="158" name="Google Shape;158;p15"/>
+            <p:cNvSpPr txBox="1"/>
+            <p:nvPr/>
+          </p:nvSpPr>
+          <p:spPr>
+            <a:xfrm>
+              <a:off x="3919788" y="1123225"/>
+              <a:ext cx="1304400" cy="563100"/>
+            </a:xfrm>
+            <a:prstGeom prst="rect">
+              <a:avLst/>
+            </a:prstGeom>
+            <a:noFill/>
+            <a:ln>
+              <a:noFill/>
+            </a:ln>
+          </p:spPr>
+          <p:txBody>
+            <a:bodyPr spcFirstLastPara="1" wrap="square" lIns="91425" tIns="91425" rIns="91425" bIns="91425" anchor="ctr" anchorCtr="0">
+              <a:noAutofit/>
+            </a:bodyPr>
+            <a:lstStyle/>
+            <a:p>
+              <a:pPr marL="0" lvl="0" indent="0" algn="ctr" rtl="0">
+                <a:spcBef>
+                  <a:spcPts val="0"/>
+                </a:spcBef>
+                <a:spcAft>
+                  <a:spcPts val="0"/>
+                </a:spcAft>
+                <a:buNone/>
+              </a:pPr>
+              <a:r>
+                <a:rPr lang="en" sz="1000">
+                  <a:solidFill>
+                    <a:srgbClr val="FFFFFF"/>
+                  </a:solidFill>
+                  <a:latin typeface="Roboto"/>
+                  <a:ea typeface="Roboto"/>
+                  <a:cs typeface="Roboto"/>
+                  <a:sym typeface="Roboto"/>
+                </a:rPr>
+                <a:t>Andrew (ML Lead)</a:t>
+              </a:r>
+              <a:endParaRPr sz="1000">
+                <a:solidFill>
+                  <a:srgbClr val="FFFFFF"/>
+                </a:solidFill>
+                <a:latin typeface="Roboto"/>
+                <a:ea typeface="Roboto"/>
+                <a:cs typeface="Roboto"/>
+                <a:sym typeface="Roboto"/>
+              </a:endParaRPr>
+            </a:p>
+          </p:txBody>
+        </p:sp>
+      </p:grpSp>
+      <p:grpSp>
+        <p:nvGrpSpPr>
+          <p:cNvPr id="159" name="Google Shape;159;p15"/>
+          <p:cNvGrpSpPr/>
+          <p:nvPr/>
+        </p:nvGrpSpPr>
+        <p:grpSpPr>
+          <a:xfrm>
+            <a:off x="5888707" y="804376"/>
+            <a:ext cx="2268741" cy="2444000"/>
+            <a:chOff x="4593307" y="804376"/>
+            <a:chExt cx="2268741" cy="2444000"/>
+          </a:xfrm>
+        </p:grpSpPr>
+        <p:sp>
+          <p:nvSpPr>
+            <p:cNvPr id="160" name="Google Shape;160;p15"/>
+            <p:cNvSpPr/>
+            <p:nvPr/>
+          </p:nvSpPr>
+          <p:spPr>
+            <a:xfrm rot="-2081188">
+              <a:off x="5623193" y="814800"/>
+              <a:ext cx="698156" cy="2118270"/>
+            </a:xfrm>
+            <a:custGeom>
+              <a:avLst/>
+              <a:gdLst/>
+              <a:ahLst/>
+              <a:cxnLst/>
+              <a:rect l="l" t="t" r="r" b="b"/>
+              <a:pathLst>
+                <a:path w="107" h="328" extrusionOk="0">
+                  <a:moveTo>
+                    <a:pt x="52" y="26"/>
+                  </a:moveTo>
+                  <a:cubicBezTo>
+                    <a:pt x="67" y="59"/>
+                    <a:pt x="75" y="95"/>
+                    <a:pt x="75" y="132"/>
+                  </a:cubicBezTo>
+                  <a:cubicBezTo>
+                    <a:pt x="75" y="204"/>
+                    <a:pt x="46" y="268"/>
+                    <a:pt x="0" y="315"/>
+                  </a:cubicBezTo>
+                  <a:cubicBezTo>
+                    <a:pt x="10" y="320"/>
+                    <a:pt x="21" y="325"/>
+                    <a:pt x="32" y="328"/>
+                  </a:cubicBezTo>
+                  <a:cubicBezTo>
+                    <a:pt x="78" y="276"/>
+                    <a:pt x="107" y="208"/>
+                    <a:pt x="107" y="132"/>
+                  </a:cubicBezTo>
+                  <a:cubicBezTo>
+                    <a:pt x="107" y="85"/>
+                    <a:pt x="95" y="40"/>
+                    <a:pt x="75" y="0"/>
+                  </a:cubicBezTo>
+                  <a:cubicBezTo>
+                    <a:pt x="68" y="9"/>
+                    <a:pt x="60" y="18"/>
+                    <a:pt x="52" y="26"/>
+                  </a:cubicBezTo>
+                  <a:close/>
+                </a:path>
+              </a:pathLst>
+            </a:custGeom>
+            <a:solidFill>
+              <a:srgbClr val="A1C3FA"/>
+            </a:solidFill>
+            <a:ln w="9525" cap="flat" cmpd="sng">
+              <a:solidFill>
+                <a:srgbClr val="FFFFFF"/>
+              </a:solidFill>
+              <a:prstDash val="solid"/>
+              <a:miter lim="8000"/>
+              <a:headEnd type="none" w="sm" len="sm"/>
+              <a:tailEnd type="none" w="sm" len="sm"/>
+            </a:ln>
+          </p:spPr>
+          <p:txBody>
+            <a:bodyPr spcFirstLastPara="1" wrap="square" lIns="91425" tIns="45700" rIns="91425" bIns="45700" anchor="t" anchorCtr="0">
+              <a:noAutofit/>
+            </a:bodyPr>
+            <a:lstStyle/>
+            <a:p>
+              <a:pPr marL="0" lvl="0" indent="0" algn="l" rtl="0">
+                <a:spcBef>
+                  <a:spcPts val="0"/>
+                </a:spcBef>
+                <a:spcAft>
+                  <a:spcPts val="0"/>
+                </a:spcAft>
+                <a:buNone/>
+              </a:pPr>
+              <a:endParaRPr/>
+            </a:p>
+          </p:txBody>
+        </p:sp>
+        <p:sp>
+          <p:nvSpPr>
+            <p:cNvPr id="161" name="Google Shape;161;p15"/>
+            <p:cNvSpPr/>
+            <p:nvPr/>
+          </p:nvSpPr>
+          <p:spPr>
+            <a:xfrm rot="-2081187">
+              <a:off x="5001092" y="1289142"/>
+              <a:ext cx="1148261" cy="1791718"/>
+            </a:xfrm>
+            <a:custGeom>
+              <a:avLst/>
+              <a:gdLst/>
+              <a:ahLst/>
+              <a:cxnLst/>
+              <a:rect l="l" t="t" r="r" b="b"/>
+              <a:pathLst>
+                <a:path w="184" h="289" extrusionOk="0">
+                  <a:moveTo>
+                    <a:pt x="161" y="0"/>
+                  </a:moveTo>
+                  <a:cubicBezTo>
+                    <a:pt x="128" y="34"/>
+                    <a:pt x="87" y="60"/>
+                    <a:pt x="40" y="76"/>
+                  </a:cubicBezTo>
+                  <a:cubicBezTo>
+                    <a:pt x="52" y="121"/>
+                    <a:pt x="36" y="170"/>
+                    <a:pt x="0" y="200"/>
+                  </a:cubicBezTo>
+                  <a:cubicBezTo>
+                    <a:pt x="29" y="240"/>
+                    <a:pt x="67" y="270"/>
+                    <a:pt x="109" y="289"/>
+                  </a:cubicBezTo>
+                  <a:cubicBezTo>
+                    <a:pt x="155" y="242"/>
+                    <a:pt x="184" y="178"/>
+                    <a:pt x="184" y="106"/>
+                  </a:cubicBezTo>
+                  <a:cubicBezTo>
+                    <a:pt x="184" y="69"/>
+                    <a:pt x="176" y="33"/>
+                    <a:pt x="161" y="0"/>
+                  </a:cubicBezTo>
+                  <a:close/>
+                </a:path>
+              </a:pathLst>
+            </a:custGeom>
+            <a:solidFill>
+              <a:srgbClr val="307BF3"/>
+            </a:solidFill>
+            <a:ln w="12700" cap="flat" cmpd="sng">
+              <a:solidFill>
+                <a:srgbClr val="FFFFFF"/>
+              </a:solidFill>
+              <a:prstDash val="solid"/>
+              <a:miter lim="8000"/>
+              <a:headEnd type="none" w="sm" len="sm"/>
+              <a:tailEnd type="none" w="sm" len="sm"/>
+            </a:ln>
+          </p:spPr>
+          <p:txBody>
+            <a:bodyPr spcFirstLastPara="1" wrap="square" lIns="91425" tIns="45700" rIns="91425" bIns="45700" anchor="t" anchorCtr="0">
+              <a:noAutofit/>
+            </a:bodyPr>
+            <a:lstStyle/>
+            <a:p>
+              <a:pPr marL="0" lvl="0" indent="0" algn="l" rtl="0">
+                <a:spcBef>
+                  <a:spcPts val="0"/>
+                </a:spcBef>
+                <a:spcAft>
+                  <a:spcPts val="0"/>
+                </a:spcAft>
+                <a:buNone/>
+              </a:pPr>
+              <a:endParaRPr/>
+            </a:p>
+          </p:txBody>
+        </p:sp>
+        <p:sp>
+          <p:nvSpPr>
+            <p:cNvPr id="162" name="Google Shape;162;p15"/>
+            <p:cNvSpPr txBox="1"/>
+            <p:nvPr/>
+          </p:nvSpPr>
+          <p:spPr>
+            <a:xfrm rot="4352156">
+              <a:off x="5032997" y="1939707"/>
+              <a:ext cx="1304532" cy="562935"/>
+            </a:xfrm>
+            <a:prstGeom prst="rect">
+              <a:avLst/>
+            </a:prstGeom>
+            <a:noFill/>
+            <a:ln>
+              <a:noFill/>
+            </a:ln>
+          </p:spPr>
+          <p:txBody>
+            <a:bodyPr spcFirstLastPara="1" wrap="square" lIns="91425" tIns="91425" rIns="91425" bIns="91425" anchor="ctr" anchorCtr="0">
+              <a:noAutofit/>
+            </a:bodyPr>
+            <a:lstStyle/>
+            <a:p>
+              <a:pPr marL="0" lvl="0" indent="0" algn="ctr" rtl="0">
+                <a:spcBef>
+                  <a:spcPts val="0"/>
+                </a:spcBef>
+                <a:spcAft>
+                  <a:spcPts val="0"/>
+                </a:spcAft>
+                <a:buNone/>
+              </a:pPr>
+              <a:r>
+                <a:rPr lang="en" sz="1000">
+                  <a:solidFill>
+                    <a:srgbClr val="FFFFFF"/>
+                  </a:solidFill>
+                  <a:latin typeface="Roboto"/>
+                  <a:ea typeface="Roboto"/>
+                  <a:cs typeface="Roboto"/>
+                  <a:sym typeface="Roboto"/>
+                </a:rPr>
+                <a:t>Shawn (DB Lead)</a:t>
+              </a:r>
+              <a:endParaRPr sz="1000">
+                <a:solidFill>
+                  <a:srgbClr val="FFFFFF"/>
+                </a:solidFill>
+                <a:latin typeface="Roboto"/>
+                <a:ea typeface="Roboto"/>
+                <a:cs typeface="Roboto"/>
+                <a:sym typeface="Roboto"/>
+              </a:endParaRPr>
+            </a:p>
+          </p:txBody>
+        </p:sp>
+      </p:grpSp>
+    </p:spTree>
+  </p:cSld>
+  <p:clrMapOvr>
+    <a:masterClrMapping/>
+  </p:clrMapOvr>
+</p:sld>
+</file>
+
+<file path=ppt/slides/slide4.xml><?xml version="1.0" encoding="utf-8"?>
+<p:sld xmlns:a="http://schemas.openxmlformats.org/drawingml/2006/main" xmlns:r="http://schemas.openxmlformats.org/officeDocument/2006/relationships" xmlns:p="http://schemas.openxmlformats.org/presentationml/2006/main">
+  <p:cSld>
+    <p:spTree>
+      <p:nvGrpSpPr>
+        <p:cNvPr id="1" name="Shape 166"/>
+        <p:cNvGrpSpPr/>
+        <p:nvPr/>
+      </p:nvGrpSpPr>
+      <p:grpSpPr>
+        <a:xfrm>
+          <a:off x="0" y="0"/>
+          <a:ext cx="0" cy="0"/>
+          <a:chOff x="0" y="0"/>
+          <a:chExt cx="0" cy="0"/>
+        </a:xfrm>
+      </p:grpSpPr>
+      <p:sp>
+        <p:nvSpPr>
+          <p:cNvPr id="167" name="Google Shape;167;p16"/>
+          <p:cNvSpPr txBox="1">
+            <a:spLocks noGrp="1"/>
+          </p:cNvSpPr>
+          <p:nvPr>
+            <p:ph type="title"/>
+          </p:nvPr>
+        </p:nvSpPr>
+        <p:spPr>
+          <a:xfrm>
             <a:off x="819150" y="845600"/>
             <a:ext cx="7505700" cy="954600"/>
           </a:xfrm>
@@ -10367,7 +11742,7 @@
       </p:sp>
       <p:sp>
         <p:nvSpPr>
-          <p:cNvPr id="142" name="Google Shape;142;p15"/>
+          <p:cNvPr id="168" name="Google Shape;168;p16"/>
           <p:cNvSpPr txBox="1">
             <a:spLocks noGrp="1"/>
           </p:cNvSpPr>
@@ -10474,12 +11849,12 @@
 </p:sld>
 </file>
 
-<file path=ppt/slides/slide4.xml><?xml version="1.0" encoding="utf-8"?>
+<file path=ppt/slides/slide5.xml><?xml version="1.0" encoding="utf-8"?>
 <p:sld xmlns:a="http://schemas.openxmlformats.org/drawingml/2006/main" xmlns:r="http://schemas.openxmlformats.org/officeDocument/2006/relationships" xmlns:p="http://schemas.openxmlformats.org/presentationml/2006/main">
   <p:cSld>
     <p:spTree>
       <p:nvGrpSpPr>
-        <p:cNvPr id="1" name="Shape 146"/>
+        <p:cNvPr id="1" name="Shape 172"/>
         <p:cNvGrpSpPr/>
         <p:nvPr/>
       </p:nvGrpSpPr>
@@ -10493,7 +11868,7 @@
       </p:grpSpPr>
       <p:sp>
         <p:nvSpPr>
-          <p:cNvPr id="147" name="Google Shape;147;p16"/>
+          <p:cNvPr id="173" name="Google Shape;173;p17"/>
           <p:cNvSpPr txBox="1">
             <a:spLocks noGrp="1"/>
           </p:cNvSpPr>
@@ -10535,7 +11910,7 @@
       </p:sp>
       <p:sp>
         <p:nvSpPr>
-          <p:cNvPr id="148" name="Google Shape;148;p16"/>
+          <p:cNvPr id="174" name="Google Shape;174;p17"/>
           <p:cNvSpPr txBox="1">
             <a:spLocks noGrp="1"/>
           </p:cNvSpPr>
@@ -10767,12 +12142,12 @@
 </p:sld>
 </file>
 
-<file path=ppt/slides/slide5.xml><?xml version="1.0" encoding="utf-8"?>
+<file path=ppt/slides/slide6.xml><?xml version="1.0" encoding="utf-8"?>
 <p:sld xmlns:a="http://schemas.openxmlformats.org/drawingml/2006/main" xmlns:r="http://schemas.openxmlformats.org/officeDocument/2006/relationships" xmlns:p="http://schemas.openxmlformats.org/presentationml/2006/main">
   <p:cSld>
     <p:spTree>
       <p:nvGrpSpPr>
-        <p:cNvPr id="1" name="Shape 152"/>
+        <p:cNvPr id="1" name="Shape 178"/>
         <p:cNvGrpSpPr/>
         <p:nvPr/>
       </p:nvGrpSpPr>
@@ -10786,7 +12161,7 @@
       </p:grpSpPr>
       <p:sp>
         <p:nvSpPr>
-          <p:cNvPr id="153" name="Google Shape;153;p17"/>
+          <p:cNvPr id="179" name="Google Shape;179;p18"/>
           <p:cNvSpPr txBox="1">
             <a:spLocks noGrp="1"/>
           </p:cNvSpPr>
@@ -10844,7 +12219,7 @@
       </p:sp>
       <p:sp>
         <p:nvSpPr>
-          <p:cNvPr id="154" name="Google Shape;154;p17"/>
+          <p:cNvPr id="180" name="Google Shape;180;p18"/>
           <p:cNvSpPr txBox="1">
             <a:spLocks noGrp="1"/>
           </p:cNvSpPr>
@@ -11093,12 +12468,12 @@
 </p:sld>
 </file>
 
-<file path=ppt/slides/slide6.xml><?xml version="1.0" encoding="utf-8"?>
+<file path=ppt/slides/slide7.xml><?xml version="1.0" encoding="utf-8"?>
 <p:sld xmlns:a="http://schemas.openxmlformats.org/drawingml/2006/main" xmlns:r="http://schemas.openxmlformats.org/officeDocument/2006/relationships" xmlns:p="http://schemas.openxmlformats.org/presentationml/2006/main">
   <p:cSld>
     <p:spTree>
       <p:nvGrpSpPr>
-        <p:cNvPr id="1" name="Shape 158"/>
+        <p:cNvPr id="1" name="Shape 184"/>
         <p:cNvGrpSpPr/>
         <p:nvPr/>
       </p:nvGrpSpPr>
@@ -11112,7 +12487,7 @@
       </p:grpSpPr>
       <p:sp>
         <p:nvSpPr>
-          <p:cNvPr id="159" name="Google Shape;159;p18"/>
+          <p:cNvPr id="185" name="Google Shape;185;p19"/>
           <p:cNvSpPr txBox="1">
             <a:spLocks noGrp="1"/>
           </p:cNvSpPr>
@@ -11154,7 +12529,7 @@
       </p:sp>
       <p:sp>
         <p:nvSpPr>
-          <p:cNvPr id="160" name="Google Shape;160;p18"/>
+          <p:cNvPr id="186" name="Google Shape;186;p19"/>
           <p:cNvSpPr txBox="1">
             <a:spLocks noGrp="1"/>
           </p:cNvSpPr>
@@ -11271,12 +12646,12 @@
 </p:sld>
 </file>
 
-<file path=ppt/slides/slide7.xml><?xml version="1.0" encoding="utf-8"?>
+<file path=ppt/slides/slide8.xml><?xml version="1.0" encoding="utf-8"?>
 <p:sld xmlns:a="http://schemas.openxmlformats.org/drawingml/2006/main" xmlns:r="http://schemas.openxmlformats.org/officeDocument/2006/relationships" xmlns:p="http://schemas.openxmlformats.org/presentationml/2006/main">
   <p:cSld>
     <p:spTree>
       <p:nvGrpSpPr>
-        <p:cNvPr id="1" name="Shape 164"/>
+        <p:cNvPr id="1" name="Shape 190"/>
         <p:cNvGrpSpPr/>
         <p:nvPr/>
       </p:nvGrpSpPr>
@@ -11290,7 +12665,7 @@
       </p:grpSpPr>
       <p:sp>
         <p:nvSpPr>
-          <p:cNvPr id="165" name="Google Shape;165;p19"/>
+          <p:cNvPr id="191" name="Google Shape;191;p20"/>
           <p:cNvSpPr txBox="1">
             <a:spLocks noGrp="1"/>
           </p:cNvSpPr>
@@ -11332,7 +12707,7 @@
       </p:sp>
       <p:sp>
         <p:nvSpPr>
-          <p:cNvPr id="166" name="Google Shape;166;p19"/>
+          <p:cNvPr id="192" name="Google Shape;192;p20"/>
           <p:cNvSpPr txBox="1">
             <a:spLocks noGrp="1"/>
           </p:cNvSpPr>
@@ -11916,12 +13291,12 @@
 </p:sld>
 </file>
 
-<file path=ppt/slides/slide8.xml><?xml version="1.0" encoding="utf-8"?>
+<file path=ppt/slides/slide9.xml><?xml version="1.0" encoding="utf-8"?>
 <p:sld xmlns:a="http://schemas.openxmlformats.org/drawingml/2006/main" xmlns:r="http://schemas.openxmlformats.org/officeDocument/2006/relationships" xmlns:p="http://schemas.openxmlformats.org/presentationml/2006/main">
   <p:cSld>
     <p:spTree>
       <p:nvGrpSpPr>
-        <p:cNvPr id="1" name="Shape 170"/>
+        <p:cNvPr id="1" name="Shape 196"/>
         <p:cNvGrpSpPr/>
         <p:nvPr/>
       </p:nvGrpSpPr>
@@ -11935,7 +13310,7 @@
       </p:grpSpPr>
       <p:sp>
         <p:nvSpPr>
-          <p:cNvPr id="171" name="Google Shape;171;p20"/>
+          <p:cNvPr id="197" name="Google Shape;197;p21"/>
           <p:cNvSpPr txBox="1">
             <a:spLocks noGrp="1"/>
           </p:cNvSpPr>
@@ -11977,7 +13352,7 @@
       </p:sp>
       <p:sp>
         <p:nvSpPr>
-          <p:cNvPr id="172" name="Google Shape;172;p20"/>
+          <p:cNvPr id="198" name="Google Shape;198;p21"/>
           <p:cNvSpPr txBox="1">
             <a:spLocks noGrp="1"/>
           </p:cNvSpPr>
@@ -12000,120 +13375,139 @@
           </a:bodyPr>
           <a:lstStyle/>
           <a:p>
-            <a:pPr marL="0" lvl="0" indent="0" algn="l" rtl="0">
-              <a:spcBef>
-                <a:spcPts val="0"/>
-              </a:spcBef>
-              <a:spcAft>
-                <a:spcPts val="1200"/>
-              </a:spcAft>
-              <a:buNone/>
-            </a:pPr>
-            <a:endParaRPr/>
-          </a:p>
-        </p:txBody>
-      </p:sp>
-    </p:spTree>
-  </p:cSld>
-  <p:clrMapOvr>
-    <a:masterClrMapping/>
-  </p:clrMapOvr>
-</p:sld>
-</file>
-
-<file path=ppt/slides/slide9.xml><?xml version="1.0" encoding="utf-8"?>
-<p:sld xmlns:a="http://schemas.openxmlformats.org/drawingml/2006/main" xmlns:r="http://schemas.openxmlformats.org/officeDocument/2006/relationships" xmlns:p="http://schemas.openxmlformats.org/presentationml/2006/main">
-  <p:cSld>
-    <p:spTree>
-      <p:nvGrpSpPr>
-        <p:cNvPr id="1" name="Shape 176"/>
-        <p:cNvGrpSpPr/>
-        <p:nvPr/>
-      </p:nvGrpSpPr>
-      <p:grpSpPr>
-        <a:xfrm>
-          <a:off x="0" y="0"/>
-          <a:ext cx="0" cy="0"/>
-          <a:chOff x="0" y="0"/>
-          <a:chExt cx="0" cy="0"/>
-        </a:xfrm>
-      </p:grpSpPr>
-      <p:sp>
-        <p:nvSpPr>
-          <p:cNvPr id="177" name="Google Shape;177;p21"/>
-          <p:cNvSpPr txBox="1">
-            <a:spLocks noGrp="1"/>
-          </p:cNvSpPr>
-          <p:nvPr>
-            <p:ph type="title"/>
-          </p:nvPr>
-        </p:nvSpPr>
-        <p:spPr>
-          <a:xfrm>
-            <a:off x="819150" y="845600"/>
-            <a:ext cx="7505700" cy="954600"/>
-          </a:xfrm>
-          <a:prstGeom prst="rect">
-            <a:avLst/>
-          </a:prstGeom>
-        </p:spPr>
-        <p:txBody>
-          <a:bodyPr spcFirstLastPara="1" wrap="square" lIns="91425" tIns="91425" rIns="91425" bIns="91425" anchor="t" anchorCtr="0">
-            <a:normAutofit/>
-          </a:bodyPr>
-          <a:lstStyle/>
-          <a:p>
-            <a:pPr marL="0" lvl="0" indent="0" algn="l" rtl="0">
-              <a:spcBef>
-                <a:spcPts val="0"/>
-              </a:spcBef>
-              <a:spcAft>
-                <a:spcPts val="0"/>
-              </a:spcAft>
-              <a:buNone/>
+            <a:pPr marL="457200" lvl="0" indent="-311150" algn="l" rtl="0">
+              <a:spcBef>
+                <a:spcPts val="0"/>
+              </a:spcBef>
+              <a:spcAft>
+                <a:spcPts val="0"/>
+              </a:spcAft>
+              <a:buSzPts val="1300"/>
+              <a:buChar char="●"/>
             </a:pPr>
             <a:r>
               <a:rPr lang="en"/>
-              <a:t>Analysis phase</a:t>
+              <a:t>Extraction:</a:t>
             </a:r>
             <a:endParaRPr/>
           </a:p>
-        </p:txBody>
-      </p:sp>
-      <p:sp>
-        <p:nvSpPr>
-          <p:cNvPr id="178" name="Google Shape;178;p21"/>
-          <p:cNvSpPr txBox="1">
-            <a:spLocks noGrp="1"/>
-          </p:cNvSpPr>
-          <p:nvPr>
-            <p:ph type="body" idx="1"/>
-          </p:nvPr>
-        </p:nvSpPr>
-        <p:spPr>
-          <a:xfrm>
-            <a:off x="819150" y="1990725"/>
-            <a:ext cx="7505700" cy="2448000"/>
-          </a:xfrm>
-          <a:prstGeom prst="rect">
-            <a:avLst/>
-          </a:prstGeom>
-        </p:spPr>
-        <p:txBody>
-          <a:bodyPr spcFirstLastPara="1" wrap="square" lIns="91425" tIns="91425" rIns="91425" bIns="91425" anchor="t" anchorCtr="0">
-            <a:normAutofit/>
-          </a:bodyPr>
-          <a:lstStyle/>
           <a:p>
-            <a:pPr marL="0" lvl="0" indent="0" algn="l" rtl="0">
-              <a:spcBef>
-                <a:spcPts val="0"/>
-              </a:spcBef>
-              <a:spcAft>
-                <a:spcPts val="1200"/>
-              </a:spcAft>
-              <a:buNone/>
+            <a:pPr marL="914400" lvl="1" indent="-298450" algn="l" rtl="0">
+              <a:spcBef>
+                <a:spcPts val="0"/>
+              </a:spcBef>
+              <a:spcAft>
+                <a:spcPts val="0"/>
+              </a:spcAft>
+              <a:buSzPts val="1100"/>
+              <a:buChar char="○"/>
             </a:pPr>
+            <a:r>
+              <a:rPr lang="en"/>
+              <a:t>Data extracted from the CSV file using Pandas read me</a:t>
+            </a:r>
+            <a:endParaRPr/>
+          </a:p>
+          <a:p>
+            <a:pPr marL="457200" lvl="0" indent="-311150" algn="l" rtl="0">
+              <a:spcBef>
+                <a:spcPts val="0"/>
+              </a:spcBef>
+              <a:spcAft>
+                <a:spcPts val="0"/>
+              </a:spcAft>
+              <a:buSzPts val="1300"/>
+              <a:buChar char="●"/>
+            </a:pPr>
+            <a:r>
+              <a:rPr lang="en"/>
+              <a:t>Transformation</a:t>
+            </a:r>
+            <a:endParaRPr/>
+          </a:p>
+          <a:p>
+            <a:pPr marL="914400" lvl="1" indent="-298450" algn="l" rtl="0">
+              <a:spcBef>
+                <a:spcPts val="0"/>
+              </a:spcBef>
+              <a:spcAft>
+                <a:spcPts val="0"/>
+              </a:spcAft>
+              <a:buSzPts val="1100"/>
+              <a:buChar char="○"/>
+            </a:pPr>
+            <a:r>
+              <a:rPr lang="en"/>
+              <a:t>Removed null values</a:t>
+            </a:r>
+            <a:endParaRPr/>
+          </a:p>
+          <a:p>
+            <a:pPr marL="914400" lvl="1" indent="-298450" algn="l" rtl="0">
+              <a:spcBef>
+                <a:spcPts val="0"/>
+              </a:spcBef>
+              <a:spcAft>
+                <a:spcPts val="0"/>
+              </a:spcAft>
+              <a:buSzPts val="1100"/>
+              <a:buChar char="○"/>
+            </a:pPr>
+            <a:r>
+              <a:rPr lang="en"/>
+              <a:t>Removed unnecessary columns</a:t>
+            </a:r>
+            <a:endParaRPr/>
+          </a:p>
+          <a:p>
+            <a:pPr marL="914400" lvl="1" indent="-298450" algn="l" rtl="0">
+              <a:spcBef>
+                <a:spcPts val="0"/>
+              </a:spcBef>
+              <a:spcAft>
+                <a:spcPts val="0"/>
+              </a:spcAft>
+              <a:buSzPts val="1100"/>
+              <a:buChar char="○"/>
+            </a:pPr>
+            <a:r>
+              <a:rPr lang="en"/>
+              <a:t>Created dataframes</a:t>
+            </a:r>
+            <a:endParaRPr/>
+          </a:p>
+          <a:p>
+            <a:pPr marL="457200" lvl="0" indent="-311150" algn="l" rtl="0">
+              <a:spcBef>
+                <a:spcPts val="0"/>
+              </a:spcBef>
+              <a:spcAft>
+                <a:spcPts val="0"/>
+              </a:spcAft>
+              <a:buSzPts val="1300"/>
+              <a:buChar char="●"/>
+            </a:pPr>
+            <a:r>
+              <a:rPr lang="en"/>
+              <a:t>Load:</a:t>
+            </a:r>
+            <a:endParaRPr/>
+          </a:p>
+          <a:p>
+            <a:pPr marL="914400" lvl="1" indent="-298450" algn="l" rtl="0">
+              <a:spcBef>
+                <a:spcPts val="0"/>
+              </a:spcBef>
+              <a:spcAft>
+                <a:spcPts val="0"/>
+              </a:spcAft>
+              <a:buSzPts val="1100"/>
+              <a:buChar char="○"/>
+            </a:pPr>
+            <a:r>
+              <a:rPr lang="en"/>
+              <a:t>Data loaded in Postgres</a:t>
+            </a:r>
             <a:endParaRPr/>
           </a:p>
         </p:txBody>

--- a/Resources/Project_Presentation_Segment2.pptx
+++ b/Resources/Project_Presentation_Segment2.pptx
@@ -290,6 +290,103 @@
     </p:ext>
   </p:extLst>
 </p:presentation>
+</file>
+
+<file path=ppt/changesInfos/changesInfo1.xml><?xml version="1.0" encoding="utf-8"?>
+<pc:chgInfo xmlns:a="http://schemas.openxmlformats.org/drawingml/2006/main" xmlns:r="http://schemas.openxmlformats.org/officeDocument/2006/relationships" xmlns:ac="http://schemas.microsoft.com/office/drawing/2013/main/command" xmlns:pc="http://schemas.microsoft.com/office/powerpoint/2013/main/command">
+  <pc:docChgLst>
+    <pc:chgData name="Shikha Mehta" userId="46e3a148f83e1816" providerId="LiveId" clId="{CDF45736-64A9-458F-821E-5AB9EF13947E}"/>
+    <pc:docChg chg="undo custSel modSld sldOrd">
+      <pc:chgData name="Shikha Mehta" userId="46e3a148f83e1816" providerId="LiveId" clId="{CDF45736-64A9-458F-821E-5AB9EF13947E}" dt="2021-07-14T00:21:10.333" v="314" actId="20577"/>
+      <pc:docMkLst>
+        <pc:docMk/>
+      </pc:docMkLst>
+      <pc:sldChg chg="modSp mod">
+        <pc:chgData name="Shikha Mehta" userId="46e3a148f83e1816" providerId="LiveId" clId="{CDF45736-64A9-458F-821E-5AB9EF13947E}" dt="2021-07-13T23:35:14.257" v="74" actId="20577"/>
+        <pc:sldMkLst>
+          <pc:docMk/>
+          <pc:sldMk cId="0" sldId="258"/>
+        </pc:sldMkLst>
+        <pc:spChg chg="mod">
+          <ac:chgData name="Shikha Mehta" userId="46e3a148f83e1816" providerId="LiveId" clId="{CDF45736-64A9-458F-821E-5AB9EF13947E}" dt="2021-07-13T23:35:14.257" v="74" actId="20577"/>
+          <ac:spMkLst>
+            <pc:docMk/>
+            <pc:sldMk cId="0" sldId="258"/>
+            <ac:spMk id="158" creationId="{00000000-0000-0000-0000-000000000000}"/>
+          </ac:spMkLst>
+        </pc:spChg>
+        <pc:spChg chg="mod">
+          <ac:chgData name="Shikha Mehta" userId="46e3a148f83e1816" providerId="LiveId" clId="{CDF45736-64A9-458F-821E-5AB9EF13947E}" dt="2021-07-13T23:35:05.425" v="61" actId="20577"/>
+          <ac:spMkLst>
+            <pc:docMk/>
+            <pc:sldMk cId="0" sldId="258"/>
+            <ac:spMk id="162" creationId="{00000000-0000-0000-0000-000000000000}"/>
+          </ac:spMkLst>
+        </pc:spChg>
+      </pc:sldChg>
+      <pc:sldChg chg="modSp mod">
+        <pc:chgData name="Shikha Mehta" userId="46e3a148f83e1816" providerId="LiveId" clId="{CDF45736-64A9-458F-821E-5AB9EF13947E}" dt="2021-07-13T23:39:05.870" v="123" actId="27636"/>
+        <pc:sldMkLst>
+          <pc:docMk/>
+          <pc:sldMk cId="0" sldId="261"/>
+        </pc:sldMkLst>
+        <pc:spChg chg="mod">
+          <ac:chgData name="Shikha Mehta" userId="46e3a148f83e1816" providerId="LiveId" clId="{CDF45736-64A9-458F-821E-5AB9EF13947E}" dt="2021-07-13T23:39:05.870" v="123" actId="27636"/>
+          <ac:spMkLst>
+            <pc:docMk/>
+            <pc:sldMk cId="0" sldId="261"/>
+            <ac:spMk id="180" creationId="{00000000-0000-0000-0000-000000000000}"/>
+          </ac:spMkLst>
+        </pc:spChg>
+      </pc:sldChg>
+      <pc:sldChg chg="modSp mod">
+        <pc:chgData name="Shikha Mehta" userId="46e3a148f83e1816" providerId="LiveId" clId="{CDF45736-64A9-458F-821E-5AB9EF13947E}" dt="2021-07-13T23:42:56.192" v="207" actId="14100"/>
+        <pc:sldMkLst>
+          <pc:docMk/>
+          <pc:sldMk cId="0" sldId="263"/>
+        </pc:sldMkLst>
+        <pc:spChg chg="mod">
+          <ac:chgData name="Shikha Mehta" userId="46e3a148f83e1816" providerId="LiveId" clId="{CDF45736-64A9-458F-821E-5AB9EF13947E}" dt="2021-07-13T23:42:56.192" v="207" actId="14100"/>
+          <ac:spMkLst>
+            <pc:docMk/>
+            <pc:sldMk cId="0" sldId="263"/>
+            <ac:spMk id="192" creationId="{00000000-0000-0000-0000-000000000000}"/>
+          </ac:spMkLst>
+        </pc:spChg>
+      </pc:sldChg>
+      <pc:sldChg chg="modSp mod">
+        <pc:chgData name="Shikha Mehta" userId="46e3a148f83e1816" providerId="LiveId" clId="{CDF45736-64A9-458F-821E-5AB9EF13947E}" dt="2021-07-14T00:17:46.109" v="215" actId="1076"/>
+        <pc:sldMkLst>
+          <pc:docMk/>
+          <pc:sldMk cId="0" sldId="264"/>
+        </pc:sldMkLst>
+        <pc:spChg chg="mod">
+          <ac:chgData name="Shikha Mehta" userId="46e3a148f83e1816" providerId="LiveId" clId="{CDF45736-64A9-458F-821E-5AB9EF13947E}" dt="2021-07-14T00:17:46.109" v="215" actId="1076"/>
+          <ac:spMkLst>
+            <pc:docMk/>
+            <pc:sldMk cId="0" sldId="264"/>
+            <ac:spMk id="198" creationId="{00000000-0000-0000-0000-000000000000}"/>
+          </ac:spMkLst>
+        </pc:spChg>
+      </pc:sldChg>
+      <pc:sldChg chg="modSp mod ord">
+        <pc:chgData name="Shikha Mehta" userId="46e3a148f83e1816" providerId="LiveId" clId="{CDF45736-64A9-458F-821E-5AB9EF13947E}" dt="2021-07-14T00:21:10.333" v="314" actId="20577"/>
+        <pc:sldMkLst>
+          <pc:docMk/>
+          <pc:sldMk cId="0" sldId="265"/>
+        </pc:sldMkLst>
+        <pc:spChg chg="mod">
+          <ac:chgData name="Shikha Mehta" userId="46e3a148f83e1816" providerId="LiveId" clId="{CDF45736-64A9-458F-821E-5AB9EF13947E}" dt="2021-07-14T00:21:10.333" v="314" actId="20577"/>
+          <ac:spMkLst>
+            <pc:docMk/>
+            <pc:sldMk cId="0" sldId="265"/>
+            <ac:spMk id="204" creationId="{00000000-0000-0000-0000-000000000000}"/>
+          </ac:spMkLst>
+        </pc:spChg>
+      </pc:sldChg>
+    </pc:docChg>
+  </pc:docChgLst>
+</pc:chgInfo>
 </file>
 
 <file path=ppt/notesMasters/notesMaster1.xml><?xml version="1.0" encoding="utf-8"?>
@@ -866,7 +963,7 @@
         </p:nvSpPr>
         <p:spPr>
           <a:xfrm>
-            <a:off x="381300" y="685800"/>
+            <a:off x="381000" y="685800"/>
             <a:ext cx="6096000" cy="3429000"/>
           </a:xfrm>
           <a:custGeom>
@@ -1074,7 +1171,7 @@
         </p:nvSpPr>
         <p:spPr>
           <a:xfrm>
-            <a:off x="381300" y="685800"/>
+            <a:off x="381000" y="685800"/>
             <a:ext cx="6096000" cy="3429000"/>
           </a:xfrm>
           <a:custGeom>
@@ -1386,7 +1483,7 @@
         </p:nvSpPr>
         <p:spPr>
           <a:xfrm>
-            <a:off x="381300" y="685800"/>
+            <a:off x="381000" y="685800"/>
             <a:ext cx="6096000" cy="3429000"/>
           </a:xfrm>
           <a:custGeom>
@@ -1594,7 +1691,7 @@
         </p:nvSpPr>
         <p:spPr>
           <a:xfrm>
-            <a:off x="381300" y="685800"/>
+            <a:off x="381000" y="685800"/>
             <a:ext cx="6096000" cy="3429000"/>
           </a:xfrm>
           <a:custGeom>
@@ -1698,7 +1795,7 @@
         </p:nvSpPr>
         <p:spPr>
           <a:xfrm>
-            <a:off x="381300" y="685800"/>
+            <a:off x="381000" y="685800"/>
             <a:ext cx="6096000" cy="3429000"/>
           </a:xfrm>
           <a:custGeom>
@@ -10019,7 +10116,7 @@
         <p:spPr>
           <a:xfrm>
             <a:off x="819150" y="1642875"/>
-            <a:ext cx="7505700" cy="2448000"/>
+            <a:ext cx="7505700" cy="3109878"/>
           </a:xfrm>
           <a:prstGeom prst="rect">
             <a:avLst/>
@@ -10027,7 +10124,7 @@
         </p:spPr>
         <p:txBody>
           <a:bodyPr spcFirstLastPara="1" wrap="square" lIns="91425" tIns="91425" rIns="91425" bIns="91425" anchor="t" anchorCtr="0">
-            <a:normAutofit/>
+            <a:normAutofit lnSpcReduction="10000"/>
           </a:bodyPr>
           <a:lstStyle/>
           <a:p>
@@ -10041,30 +10138,237 @@
               <a:buNone/>
             </a:pPr>
             <a:r>
-              <a:rPr lang="en"/>
-              <a:t>&lt;would need code snippets&gt;</a:t>
+              <a:rPr lang="en" dirty="0"/>
+              <a:t>V</a:t>
             </a:r>
-            <a:endParaRPr/>
+            <a:r>
+              <a:rPr lang="en-CA" dirty="0" err="1"/>
+              <a:t>i</a:t>
+            </a:r>
+            <a:r>
+              <a:rPr lang="en" dirty="0"/>
+              <a:t>sualize data: tableau (joan dashboard)</a:t>
+            </a:r>
           </a:p>
           <a:p>
             <a:pPr marL="0" lvl="0" indent="0" algn="l" rtl="0">
               <a:spcBef>
-                <a:spcPts val="1200"/>
+                <a:spcPts val="0"/>
               </a:spcBef>
               <a:spcAft>
                 <a:spcPts val="0"/>
               </a:spcAft>
               <a:buNone/>
             </a:pPr>
-            <a:r>
-              <a:rPr lang="en"/>
-              <a:t>&lt; various charts&gt;</a:t>
-            </a:r>
-            <a:endParaRPr/>
+            <a:endParaRPr lang="en" dirty="0"/>
           </a:p>
           <a:p>
             <a:pPr marL="0" lvl="0" indent="0" algn="l" rtl="0">
               <a:spcBef>
+                <a:spcPts val="0"/>
+              </a:spcBef>
+              <a:spcAft>
+                <a:spcPts val="0"/>
+              </a:spcAft>
+              <a:buNone/>
+            </a:pPr>
+            <a:endParaRPr lang="en" dirty="0"/>
+          </a:p>
+          <a:p>
+            <a:pPr marL="0" lvl="0" indent="0" algn="l" rtl="0">
+              <a:spcBef>
+                <a:spcPts val="0"/>
+              </a:spcBef>
+              <a:spcAft>
+                <a:spcPts val="0"/>
+              </a:spcAft>
+              <a:buNone/>
+            </a:pPr>
+            <a:r>
+              <a:rPr lang="en" dirty="0"/>
+              <a:t>&lt;model&gt; - Shawn</a:t>
+            </a:r>
+          </a:p>
+          <a:p>
+            <a:pPr marL="0" lvl="0" indent="0" algn="l" rtl="0">
+              <a:spcBef>
+                <a:spcPts val="0"/>
+              </a:spcBef>
+              <a:spcAft>
+                <a:spcPts val="0"/>
+              </a:spcAft>
+              <a:buNone/>
+            </a:pPr>
+            <a:r>
+              <a:rPr lang="en" dirty="0"/>
+              <a:t>&lt;data cleaning&gt; - Shawn</a:t>
+            </a:r>
+          </a:p>
+          <a:p>
+            <a:pPr marL="0" lvl="0" indent="0" algn="l" rtl="0">
+              <a:spcBef>
+                <a:spcPts val="0"/>
+              </a:spcBef>
+              <a:spcAft>
+                <a:spcPts val="0"/>
+              </a:spcAft>
+              <a:buNone/>
+            </a:pPr>
+            <a:r>
+              <a:rPr lang="en" dirty="0"/>
+              <a:t>(y – Term deposit)</a:t>
+            </a:r>
+          </a:p>
+          <a:p>
+            <a:pPr marL="0" lvl="0" indent="0" algn="l" rtl="0">
+              <a:spcBef>
+                <a:spcPts val="0"/>
+              </a:spcBef>
+              <a:spcAft>
+                <a:spcPts val="0"/>
+              </a:spcAft>
+              <a:buNone/>
+            </a:pPr>
+            <a:r>
+              <a:rPr lang="en" dirty="0"/>
+              <a:t>&lt;dashboard&gt; - Joan </a:t>
+            </a:r>
+          </a:p>
+          <a:p>
+            <a:pPr marL="0" lvl="0" indent="0" algn="l" rtl="0">
+              <a:spcBef>
+                <a:spcPts val="0"/>
+              </a:spcBef>
+              <a:spcAft>
+                <a:spcPts val="0"/>
+              </a:spcAft>
+              <a:buNone/>
+            </a:pPr>
+            <a:r>
+              <a:rPr lang="en" dirty="0"/>
+              <a:t>&lt;would need code snippets&gt;</a:t>
+            </a:r>
+          </a:p>
+          <a:p>
+            <a:pPr marL="0" lvl="0" indent="0" algn="l" rtl="0">
+              <a:spcBef>
+                <a:spcPts val="0"/>
+              </a:spcBef>
+              <a:spcAft>
+                <a:spcPts val="0"/>
+              </a:spcAft>
+              <a:buNone/>
+            </a:pPr>
+            <a:r>
+              <a:rPr lang="en" dirty="0"/>
+              <a:t>&lt; various charts&gt;</a:t>
+            </a:r>
+          </a:p>
+          <a:p>
+            <a:pPr marL="0" lvl="0" indent="0" algn="l" rtl="0">
+              <a:spcBef>
+                <a:spcPts val="0"/>
+              </a:spcBef>
+              <a:spcAft>
+                <a:spcPts val="0"/>
+              </a:spcAft>
+              <a:buNone/>
+            </a:pPr>
+            <a:endParaRPr lang="en" dirty="0"/>
+          </a:p>
+          <a:p>
+            <a:pPr marL="0" lvl="0" indent="0" algn="l" rtl="0">
+              <a:spcBef>
+                <a:spcPts val="0"/>
+              </a:spcBef>
+              <a:spcAft>
+                <a:spcPts val="0"/>
+              </a:spcAft>
+              <a:buNone/>
+            </a:pPr>
+            <a:r>
+              <a:rPr lang="en" dirty="0"/>
+              <a:t>Database: Base (Zubair)</a:t>
+            </a:r>
+          </a:p>
+          <a:p>
+            <a:pPr marL="0" lvl="0" indent="0" algn="l" rtl="0">
+              <a:spcBef>
+                <a:spcPts val="0"/>
+              </a:spcBef>
+              <a:spcAft>
+                <a:spcPts val="0"/>
+              </a:spcAft>
+              <a:buNone/>
+            </a:pPr>
+            <a:endParaRPr lang="en" dirty="0"/>
+          </a:p>
+          <a:p>
+            <a:pPr marL="0" lvl="0" indent="0" algn="l" rtl="0">
+              <a:spcBef>
+                <a:spcPts val="0"/>
+              </a:spcBef>
+              <a:spcAft>
+                <a:spcPts val="0"/>
+              </a:spcAft>
+              <a:buNone/>
+            </a:pPr>
+            <a:r>
+              <a:rPr lang="en" dirty="0"/>
+              <a:t>Readme file updated (Zubair)</a:t>
+            </a:r>
+          </a:p>
+          <a:p>
+            <a:pPr marL="0" lvl="0" indent="0" algn="l" rtl="0">
+              <a:spcBef>
+                <a:spcPts val="0"/>
+              </a:spcBef>
+              <a:spcAft>
+                <a:spcPts val="0"/>
+              </a:spcAft>
+              <a:buNone/>
+            </a:pPr>
+            <a:endParaRPr lang="en" dirty="0"/>
+          </a:p>
+          <a:p>
+            <a:pPr marL="0" lvl="0" indent="0" algn="l" rtl="0">
+              <a:spcBef>
+                <a:spcPts val="0"/>
+              </a:spcBef>
+              <a:spcAft>
+                <a:spcPts val="0"/>
+              </a:spcAft>
+              <a:buNone/>
+            </a:pPr>
+            <a:endParaRPr lang="en" dirty="0"/>
+          </a:p>
+          <a:p>
+            <a:pPr marL="0" lvl="0" indent="0" algn="l" rtl="0">
+              <a:spcBef>
+                <a:spcPts val="0"/>
+              </a:spcBef>
+              <a:spcAft>
+                <a:spcPts val="0"/>
+              </a:spcAft>
+              <a:buNone/>
+            </a:pPr>
+            <a:endParaRPr lang="en" dirty="0"/>
+          </a:p>
+          <a:p>
+            <a:pPr marL="0" lvl="0" indent="0" algn="l" rtl="0">
+              <a:spcBef>
+                <a:spcPts val="0"/>
+              </a:spcBef>
+              <a:spcAft>
+                <a:spcPts val="0"/>
+              </a:spcAft>
+              <a:buNone/>
+            </a:pPr>
+            <a:endParaRPr dirty="0"/>
+          </a:p>
+          <a:p>
+            <a:pPr marL="0" lvl="0" indent="0" algn="l" rtl="0">
+              <a:spcBef>
                 <a:spcPts val="1200"/>
               </a:spcBef>
               <a:spcAft>
@@ -10072,7 +10376,7 @@
               </a:spcAft>
               <a:buNone/>
             </a:pPr>
-            <a:endParaRPr/>
+            <a:endParaRPr dirty="0"/>
           </a:p>
         </p:txBody>
       </p:sp>
@@ -11405,7 +11709,7 @@
                 <a:buNone/>
               </a:pPr>
               <a:r>
-                <a:rPr lang="en" sz="1000">
+                <a:rPr lang="en" sz="1000" dirty="0">
                   <a:solidFill>
                     <a:srgbClr val="FFFFFF"/>
                   </a:solidFill>
@@ -11414,9 +11718,9 @@
                   <a:cs typeface="Roboto"/>
                   <a:sym typeface="Roboto"/>
                 </a:rPr>
-                <a:t>Andrew (ML Lead)</a:t>
+                <a:t>Andrew (Database Lead)</a:t>
               </a:r>
-              <a:endParaRPr sz="1000">
+              <a:endParaRPr sz="1000" dirty="0">
                 <a:solidFill>
                   <a:srgbClr val="FFFFFF"/>
                 </a:solidFill>
@@ -11649,7 +11953,7 @@
                 <a:buNone/>
               </a:pPr>
               <a:r>
-                <a:rPr lang="en" sz="1000">
+                <a:rPr lang="en" sz="1000" dirty="0">
                   <a:solidFill>
                     <a:srgbClr val="FFFFFF"/>
                   </a:solidFill>
@@ -11658,9 +11962,9 @@
                   <a:cs typeface="Roboto"/>
                   <a:sym typeface="Roboto"/>
                 </a:rPr>
-                <a:t>Shawn (DB Lead)</a:t>
+                <a:t>Shawn (ML Lead)</a:t>
               </a:r>
-              <a:endParaRPr sz="1000">
+              <a:endParaRPr sz="1000" dirty="0">
                 <a:solidFill>
                   <a:srgbClr val="FFFFFF"/>
                 </a:solidFill>
@@ -12238,7 +12542,7 @@
         </p:spPr>
         <p:txBody>
           <a:bodyPr spcFirstLastPara="1" wrap="square" lIns="91425" tIns="91425" rIns="91425" bIns="91425" anchor="t" anchorCtr="0">
-            <a:normAutofit lnSpcReduction="20000"/>
+            <a:normAutofit/>
           </a:bodyPr>
           <a:lstStyle/>
           <a:p>
@@ -12718,7 +13022,7 @@
         <p:spPr>
           <a:xfrm>
             <a:off x="863550" y="1465250"/>
-            <a:ext cx="7505700" cy="2886300"/>
+            <a:ext cx="7505700" cy="3000424"/>
           </a:xfrm>
           <a:prstGeom prst="rect">
             <a:avLst/>
@@ -12748,7 +13052,7 @@
               <a:buChar char="●"/>
             </a:pPr>
             <a:r>
-              <a:rPr lang="en" b="1">
+              <a:rPr lang="en" b="1" dirty="0">
                 <a:solidFill>
                   <a:srgbClr val="24292E"/>
                 </a:solidFill>
@@ -12762,7 +13066,7 @@
               </a:rPr>
               <a:t>Database Storage</a:t>
             </a:r>
-            <a:endParaRPr b="1">
+            <a:endParaRPr b="1" dirty="0">
               <a:solidFill>
                 <a:srgbClr val="24292E"/>
               </a:solidFill>
@@ -12794,7 +13098,7 @@
               <a:buChar char="○"/>
             </a:pPr>
             <a:r>
-              <a:rPr lang="en">
+              <a:rPr lang="en" dirty="0">
                 <a:solidFill>
                   <a:srgbClr val="24292E"/>
                 </a:solidFill>
@@ -12808,7 +13112,7 @@
               </a:rPr>
               <a:t>Postgres is the database we intend to use since the data for the topic is well structued with a specific schema. We will import and export data using SQL queries and the Python "Pandas" library.</a:t>
             </a:r>
-            <a:endParaRPr>
+            <a:endParaRPr dirty="0">
               <a:solidFill>
                 <a:srgbClr val="24292E"/>
               </a:solidFill>
@@ -12840,7 +13144,7 @@
               <a:buChar char="●"/>
             </a:pPr>
             <a:r>
-              <a:rPr lang="en" b="1">
+              <a:rPr lang="en" b="1" dirty="0">
                 <a:solidFill>
                   <a:srgbClr val="24292E"/>
                 </a:solidFill>
@@ -12854,7 +13158,7 @@
               </a:rPr>
               <a:t>Machine Learning</a:t>
             </a:r>
-            <a:endParaRPr b="1">
+            <a:endParaRPr b="1" dirty="0">
               <a:solidFill>
                 <a:srgbClr val="24292E"/>
               </a:solidFill>
@@ -12886,7 +13190,7 @@
               <a:buChar char="○"/>
             </a:pPr>
             <a:r>
-              <a:rPr lang="en">
+              <a:rPr lang="en" dirty="0">
                 <a:solidFill>
                   <a:srgbClr val="24292E"/>
                 </a:solidFill>
@@ -12900,7 +13204,7 @@
               </a:rPr>
               <a:t>SciKitLearn is the ML library we'll be using to create, train, and test a model. The order of creating a model will be the following</a:t>
             </a:r>
-            <a:endParaRPr>
+            <a:endParaRPr dirty="0">
               <a:solidFill>
                 <a:srgbClr val="24292E"/>
               </a:solidFill>
@@ -12932,7 +13236,7 @@
               <a:buChar char="○"/>
             </a:pPr>
             <a:r>
-              <a:rPr lang="en">
+              <a:rPr lang="en" dirty="0">
                 <a:solidFill>
                   <a:srgbClr val="24292E"/>
                 </a:solidFill>
@@ -12946,7 +13250,7 @@
               </a:rPr>
               <a:t>Preprocessing data</a:t>
             </a:r>
-            <a:endParaRPr>
+            <a:endParaRPr dirty="0">
               <a:solidFill>
                 <a:srgbClr val="24292E"/>
               </a:solidFill>
@@ -12978,7 +13282,7 @@
               <a:buChar char="○"/>
             </a:pPr>
             <a:r>
-              <a:rPr lang="en">
+              <a:rPr lang="en" dirty="0">
                 <a:solidFill>
                   <a:srgbClr val="24292E"/>
                 </a:solidFill>
@@ -12992,7 +13296,7 @@
               </a:rPr>
               <a:t>Model selection</a:t>
             </a:r>
-            <a:endParaRPr>
+            <a:endParaRPr dirty="0">
               <a:solidFill>
                 <a:srgbClr val="24292E"/>
               </a:solidFill>
@@ -13024,7 +13328,7 @@
               <a:buChar char="○"/>
             </a:pPr>
             <a:r>
-              <a:rPr lang="en">
+              <a:rPr lang="en" dirty="0">
                 <a:solidFill>
                   <a:srgbClr val="24292E"/>
                 </a:solidFill>
@@ -13038,7 +13342,7 @@
               </a:rPr>
               <a:t>Model training</a:t>
             </a:r>
-            <a:endParaRPr>
+            <a:endParaRPr dirty="0">
               <a:solidFill>
                 <a:srgbClr val="24292E"/>
               </a:solidFill>
@@ -13070,7 +13374,7 @@
               <a:buChar char="○"/>
             </a:pPr>
             <a:r>
-              <a:rPr lang="en">
+              <a:rPr lang="en" dirty="0">
                 <a:solidFill>
                   <a:srgbClr val="24292E"/>
                 </a:solidFill>
@@ -13084,7 +13388,7 @@
               </a:rPr>
               <a:t>Model testing and results</a:t>
             </a:r>
-            <a:endParaRPr>
+            <a:endParaRPr dirty="0">
               <a:solidFill>
                 <a:srgbClr val="24292E"/>
               </a:solidFill>
@@ -13116,7 +13420,7 @@
               <a:buChar char="○"/>
             </a:pPr>
             <a:r>
-              <a:rPr lang="en">
+              <a:rPr lang="en" dirty="0">
                 <a:solidFill>
                   <a:srgbClr val="24292E"/>
                 </a:solidFill>
@@ -13130,7 +13434,7 @@
               </a:rPr>
               <a:t>Output metrics</a:t>
             </a:r>
-            <a:endParaRPr>
+            <a:endParaRPr dirty="0">
               <a:solidFill>
                 <a:srgbClr val="24292E"/>
               </a:solidFill>
@@ -13162,7 +13466,7 @@
               <a:buChar char="●"/>
             </a:pPr>
             <a:r>
-              <a:rPr lang="en" b="1">
+              <a:rPr lang="en" b="1" dirty="0">
                 <a:solidFill>
                   <a:srgbClr val="24292E"/>
                 </a:solidFill>
@@ -13176,7 +13480,7 @@
               </a:rPr>
               <a:t>Dashboard</a:t>
             </a:r>
-            <a:endParaRPr b="1">
+            <a:endParaRPr b="1" dirty="0">
               <a:solidFill>
                 <a:srgbClr val="24292E"/>
               </a:solidFill>
@@ -13208,7 +13512,7 @@
               <a:buChar char="○"/>
             </a:pPr>
             <a:r>
-              <a:rPr lang="en">
+              <a:rPr lang="en" dirty="0">
                 <a:solidFill>
                   <a:srgbClr val="24292E"/>
                 </a:solidFill>
@@ -13222,7 +13526,7 @@
               </a:rPr>
               <a:t>In addition to using a Flask template, we will also integrate D3.js and Plotly for a fully functioning and interactive dashboard. It will be hosted on Github Pages.</a:t>
             </a:r>
-            <a:endParaRPr>
+            <a:endParaRPr dirty="0">
               <a:solidFill>
                 <a:srgbClr val="24292E"/>
               </a:solidFill>
@@ -13254,7 +13558,7 @@
               <a:buChar char="○"/>
             </a:pPr>
             <a:r>
-              <a:rPr lang="en">
+              <a:rPr lang="en" dirty="0">
                 <a:solidFill>
                   <a:srgbClr val="24292E"/>
                 </a:solidFill>
@@ -13268,7 +13572,7 @@
               </a:rPr>
               <a:t>Tableau</a:t>
             </a:r>
-            <a:endParaRPr>
+            <a:endParaRPr dirty="0">
               <a:solidFill>
                 <a:srgbClr val="24292E"/>
               </a:solidFill>
@@ -13343,10 +13647,10 @@
               <a:buNone/>
             </a:pPr>
             <a:r>
-              <a:rPr lang="en"/>
+              <a:rPr lang="en" dirty="0"/>
               <a:t>Data exploration</a:t>
             </a:r>
-            <a:endParaRPr/>
+            <a:endParaRPr dirty="0"/>
           </a:p>
         </p:txBody>
       </p:sp>
@@ -13362,7 +13666,7 @@
         </p:nvSpPr>
         <p:spPr>
           <a:xfrm>
-            <a:off x="819150" y="1990725"/>
+            <a:off x="819150" y="1544158"/>
             <a:ext cx="7505700" cy="2448000"/>
           </a:xfrm>
           <a:prstGeom prst="rect">
@@ -13386,10 +13690,10 @@
               <a:buChar char="●"/>
             </a:pPr>
             <a:r>
-              <a:rPr lang="en"/>
+              <a:rPr lang="en" dirty="0"/>
               <a:t>Extraction:</a:t>
             </a:r>
-            <a:endParaRPr/>
+            <a:endParaRPr dirty="0"/>
           </a:p>
           <a:p>
             <a:pPr marL="914400" lvl="1" indent="-298450" algn="l" rtl="0">
@@ -13403,10 +13707,10 @@
               <a:buChar char="○"/>
             </a:pPr>
             <a:r>
-              <a:rPr lang="en"/>
+              <a:rPr lang="en" dirty="0"/>
               <a:t>Data extracted from the CSV file using Pandas read me</a:t>
             </a:r>
-            <a:endParaRPr/>
+            <a:endParaRPr dirty="0"/>
           </a:p>
           <a:p>
             <a:pPr marL="457200" lvl="0" indent="-311150" algn="l" rtl="0">
@@ -13420,10 +13724,10 @@
               <a:buChar char="●"/>
             </a:pPr>
             <a:r>
-              <a:rPr lang="en"/>
+              <a:rPr lang="en" dirty="0"/>
               <a:t>Transformation</a:t>
             </a:r>
-            <a:endParaRPr/>
+            <a:endParaRPr dirty="0"/>
           </a:p>
           <a:p>
             <a:pPr marL="914400" lvl="1" indent="-298450" algn="l" rtl="0">
@@ -13437,10 +13741,10 @@
               <a:buChar char="○"/>
             </a:pPr>
             <a:r>
-              <a:rPr lang="en"/>
+              <a:rPr lang="en" dirty="0"/>
               <a:t>Removed null values</a:t>
             </a:r>
-            <a:endParaRPr/>
+            <a:endParaRPr dirty="0"/>
           </a:p>
           <a:p>
             <a:pPr marL="914400" lvl="1" indent="-298450" algn="l" rtl="0">
@@ -13454,10 +13758,10 @@
               <a:buChar char="○"/>
             </a:pPr>
             <a:r>
-              <a:rPr lang="en"/>
+              <a:rPr lang="en" dirty="0"/>
               <a:t>Removed unnecessary columns</a:t>
             </a:r>
-            <a:endParaRPr/>
+            <a:endParaRPr dirty="0"/>
           </a:p>
           <a:p>
             <a:pPr marL="914400" lvl="1" indent="-298450" algn="l" rtl="0">
@@ -13471,10 +13775,10 @@
               <a:buChar char="○"/>
             </a:pPr>
             <a:r>
-              <a:rPr lang="en"/>
+              <a:rPr lang="en" dirty="0"/>
               <a:t>Created dataframes</a:t>
             </a:r>
-            <a:endParaRPr/>
+            <a:endParaRPr dirty="0"/>
           </a:p>
           <a:p>
             <a:pPr marL="457200" lvl="0" indent="-311150" algn="l" rtl="0">
@@ -13488,10 +13792,10 @@
               <a:buChar char="●"/>
             </a:pPr>
             <a:r>
-              <a:rPr lang="en"/>
+              <a:rPr lang="en" dirty="0"/>
               <a:t>Load:</a:t>
             </a:r>
-            <a:endParaRPr/>
+            <a:endParaRPr dirty="0"/>
           </a:p>
           <a:p>
             <a:pPr marL="914400" lvl="1" indent="-298450" algn="l" rtl="0">
@@ -13505,10 +13809,10 @@
               <a:buChar char="○"/>
             </a:pPr>
             <a:r>
-              <a:rPr lang="en"/>
-              <a:t>Data loaded in Postgres</a:t>
+              <a:rPr lang="en" dirty="0"/>
+              <a:t>Data loaded in Postgress  - </a:t>
             </a:r>
-            <a:endParaRPr/>
+            <a:endParaRPr dirty="0"/>
           </a:p>
         </p:txBody>
       </p:sp>
